--- a/Sprint 1-Requisitos/Apresentações semanais/Requisitos.pptx
+++ b/Sprint 1-Requisitos/Apresentações semanais/Requisitos.pptx
@@ -11,7 +11,6 @@
     <p:sldId id="259" r:id="rId5"/>
     <p:sldId id="262" r:id="rId6"/>
     <p:sldId id="260" r:id="rId7"/>
-    <p:sldId id="261" r:id="rId8"/>
   </p:sldIdLst>
   <p:sldSz cx="12192000" cy="6858000"/>
   <p:notesSz cx="6858000" cy="9144000"/>
@@ -125,7 +124,6 @@
             <p14:sldId id="259"/>
             <p14:sldId id="262"/>
             <p14:sldId id="260"/>
-            <p14:sldId id="261"/>
           </p14:sldIdLst>
         </p14:section>
       </p14:sectionLst>
@@ -289,7 +287,7 @@
           <a:p>
             <a:fld id="{2353B63C-5265-4F78-9B57-D7104B5DE5E4}" type="datetimeFigureOut">
               <a:rPr lang="pt-PT" smtClean="0"/>
-              <a:t>26/09/2018</a:t>
+              <a:t>21/10/2018</a:t>
             </a:fld>
             <a:endParaRPr lang="pt-PT"/>
           </a:p>
@@ -459,7 +457,7 @@
           <a:p>
             <a:fld id="{2353B63C-5265-4F78-9B57-D7104B5DE5E4}" type="datetimeFigureOut">
               <a:rPr lang="pt-PT" smtClean="0"/>
-              <a:t>26/09/2018</a:t>
+              <a:t>21/10/2018</a:t>
             </a:fld>
             <a:endParaRPr lang="pt-PT"/>
           </a:p>
@@ -639,7 +637,7 @@
           <a:p>
             <a:fld id="{2353B63C-5265-4F78-9B57-D7104B5DE5E4}" type="datetimeFigureOut">
               <a:rPr lang="pt-PT" smtClean="0"/>
-              <a:t>26/09/2018</a:t>
+              <a:t>21/10/2018</a:t>
             </a:fld>
             <a:endParaRPr lang="pt-PT"/>
           </a:p>
@@ -809,7 +807,7 @@
           <a:p>
             <a:fld id="{2353B63C-5265-4F78-9B57-D7104B5DE5E4}" type="datetimeFigureOut">
               <a:rPr lang="pt-PT" smtClean="0"/>
-              <a:t>26/09/2018</a:t>
+              <a:t>21/10/2018</a:t>
             </a:fld>
             <a:endParaRPr lang="pt-PT"/>
           </a:p>
@@ -1055,7 +1053,7 @@
           <a:p>
             <a:fld id="{2353B63C-5265-4F78-9B57-D7104B5DE5E4}" type="datetimeFigureOut">
               <a:rPr lang="pt-PT" smtClean="0"/>
-              <a:t>26/09/2018</a:t>
+              <a:t>21/10/2018</a:t>
             </a:fld>
             <a:endParaRPr lang="pt-PT"/>
           </a:p>
@@ -1287,7 +1285,7 @@
           <a:p>
             <a:fld id="{2353B63C-5265-4F78-9B57-D7104B5DE5E4}" type="datetimeFigureOut">
               <a:rPr lang="pt-PT" smtClean="0"/>
-              <a:t>26/09/2018</a:t>
+              <a:t>21/10/2018</a:t>
             </a:fld>
             <a:endParaRPr lang="pt-PT"/>
           </a:p>
@@ -1654,7 +1652,7 @@
           <a:p>
             <a:fld id="{2353B63C-5265-4F78-9B57-D7104B5DE5E4}" type="datetimeFigureOut">
               <a:rPr lang="pt-PT" smtClean="0"/>
-              <a:t>26/09/2018</a:t>
+              <a:t>21/10/2018</a:t>
             </a:fld>
             <a:endParaRPr lang="pt-PT"/>
           </a:p>
@@ -1772,7 +1770,7 @@
           <a:p>
             <a:fld id="{2353B63C-5265-4F78-9B57-D7104B5DE5E4}" type="datetimeFigureOut">
               <a:rPr lang="pt-PT" smtClean="0"/>
-              <a:t>26/09/2018</a:t>
+              <a:t>21/10/2018</a:t>
             </a:fld>
             <a:endParaRPr lang="pt-PT"/>
           </a:p>
@@ -1867,7 +1865,7 @@
           <a:p>
             <a:fld id="{2353B63C-5265-4F78-9B57-D7104B5DE5E4}" type="datetimeFigureOut">
               <a:rPr lang="pt-PT" smtClean="0"/>
-              <a:t>26/09/2018</a:t>
+              <a:t>21/10/2018</a:t>
             </a:fld>
             <a:endParaRPr lang="pt-PT"/>
           </a:p>
@@ -2144,7 +2142,7 @@
           <a:p>
             <a:fld id="{2353B63C-5265-4F78-9B57-D7104B5DE5E4}" type="datetimeFigureOut">
               <a:rPr lang="pt-PT" smtClean="0"/>
-              <a:t>26/09/2018</a:t>
+              <a:t>21/10/2018</a:t>
             </a:fld>
             <a:endParaRPr lang="pt-PT"/>
           </a:p>
@@ -2397,7 +2395,7 @@
           <a:p>
             <a:fld id="{2353B63C-5265-4F78-9B57-D7104B5DE5E4}" type="datetimeFigureOut">
               <a:rPr lang="pt-PT" smtClean="0"/>
-              <a:t>26/09/2018</a:t>
+              <a:t>21/10/2018</a:t>
             </a:fld>
             <a:endParaRPr lang="pt-PT"/>
           </a:p>
@@ -2610,7 +2608,7 @@
           <a:p>
             <a:fld id="{2353B63C-5265-4F78-9B57-D7104B5DE5E4}" type="datetimeFigureOut">
               <a:rPr lang="pt-PT" smtClean="0"/>
-              <a:t>26/09/2018</a:t>
+              <a:t>21/10/2018</a:t>
             </a:fld>
             <a:endParaRPr lang="pt-PT"/>
           </a:p>
@@ -3223,7 +3221,7 @@
               <a:rPr lang="pt-PT" sz="2400" dirty="0">
                 <a:latin typeface="Affogato Medium" panose="00000600000000000000" pitchFamily="50" charset="0"/>
               </a:rPr>
-              <a:t>WEEK 3</a:t>
+              <a:t>WEEK 6</a:t>
             </a:r>
           </a:p>
         </p:txBody>
@@ -3300,7 +3298,7 @@
               <a:rPr lang="pt-PT" sz="2400" dirty="0">
                 <a:latin typeface="Affogato Medium" panose="00000600000000000000" pitchFamily="50" charset="0"/>
               </a:rPr>
-              <a:t>SPRINT 1 </a:t>
+              <a:t>SPRINT 2 </a:t>
             </a:r>
           </a:p>
         </p:txBody>
@@ -3773,19 +3771,19 @@
       </p:grpSpPr>
       <p:pic>
         <p:nvPicPr>
-          <p:cNvPr id="31" name="Imagem 30">
+          <p:cNvPr id="5" name="Imagem 4">
             <a:extLst>
               <a:ext uri="{FF2B5EF4-FFF2-40B4-BE49-F238E27FC236}">
-                <a16:creationId xmlns:a16="http://schemas.microsoft.com/office/drawing/2014/main" id="{E0515CF9-04F0-4D52-8800-F1198F11584B}"/>
+                <a16:creationId xmlns:a16="http://schemas.microsoft.com/office/drawing/2014/main" id="{F567C96F-75F2-4D08-93A5-C6F107B52E0C}"/>
               </a:ext>
             </a:extLst>
           </p:cNvPr>
-          <p:cNvPicPr>
-            <a:picLocks noChangeAspect="1"/>
+          <p:cNvPicPr preferRelativeResize="0">
+            <a:picLocks/>
           </p:cNvPicPr>
           <p:nvPr/>
         </p:nvPicPr>
-        <p:blipFill rotWithShape="1">
+        <p:blipFill>
           <a:blip r:embed="rId2" cstate="print">
             <a:extLst>
               <a:ext uri="{BEBA8EAE-BF5A-486C-A8C5-ECC9F3942E4B}">
@@ -3802,12 +3800,79 @@
               </a:ext>
             </a:extLst>
           </a:blip>
+          <a:stretch>
+            <a:fillRect/>
+          </a:stretch>
+        </p:blipFill>
+        <p:spPr>
+          <a:xfrm>
+            <a:off x="6412004" y="4013496"/>
+            <a:ext cx="2030400" cy="2030400"/>
+          </a:xfrm>
+          <a:prstGeom prst="ellipse">
+            <a:avLst/>
+          </a:prstGeom>
+          <a:ln w="63500" cap="rnd">
+            <a:noFill/>
+          </a:ln>
+          <a:effectLst>
+            <a:outerShdw blurRad="381000" dist="292100" dir="5400000" sx="-80000" sy="-18000" rotWithShape="0">
+              <a:srgbClr val="000000">
+                <a:alpha val="22000"/>
+              </a:srgbClr>
+            </a:outerShdw>
+          </a:effectLst>
+          <a:scene3d>
+            <a:camera prst="orthographicFront"/>
+            <a:lightRig rig="contrasting" dir="t">
+              <a:rot lat="0" lon="0" rev="3000000"/>
+            </a:lightRig>
+          </a:scene3d>
+          <a:sp3d contourW="7620">
+            <a:bevelT w="95250" h="31750"/>
+            <a:contourClr>
+              <a:srgbClr val="333333"/>
+            </a:contourClr>
+          </a:sp3d>
+        </p:spPr>
+      </p:pic>
+      <p:pic>
+        <p:nvPicPr>
+          <p:cNvPr id="31" name="Imagem 30">
+            <a:extLst>
+              <a:ext uri="{FF2B5EF4-FFF2-40B4-BE49-F238E27FC236}">
+                <a16:creationId xmlns:a16="http://schemas.microsoft.com/office/drawing/2014/main" id="{E0515CF9-04F0-4D52-8800-F1198F11584B}"/>
+              </a:ext>
+            </a:extLst>
+          </p:cNvPr>
+          <p:cNvPicPr>
+            <a:picLocks noChangeAspect="1"/>
+          </p:cNvPicPr>
+          <p:nvPr/>
+        </p:nvPicPr>
+        <p:blipFill rotWithShape="1">
+          <a:blip r:embed="rId4" cstate="print">
+            <a:extLst>
+              <a:ext uri="{BEBA8EAE-BF5A-486C-A8C5-ECC9F3942E4B}">
+                <a14:imgProps xmlns:a14="http://schemas.microsoft.com/office/drawing/2010/main">
+                  <a14:imgLayer r:embed="rId5">
+                    <a14:imgEffect>
+                      <a14:saturation sat="0"/>
+                    </a14:imgEffect>
+                  </a14:imgLayer>
+                </a14:imgProps>
+              </a:ext>
+              <a:ext uri="{28A0092B-C50C-407E-A947-70E740481C1C}">
+                <a14:useLocalDpi xmlns:a14="http://schemas.microsoft.com/office/drawing/2010/main" val="0"/>
+              </a:ext>
+            </a:extLst>
+          </a:blip>
           <a:srcRect l="255" r="255"/>
           <a:stretch/>
         </p:blipFill>
         <p:spPr>
           <a:xfrm>
-            <a:off x="9320377" y="2523061"/>
+            <a:off x="3702790" y="4037036"/>
             <a:ext cx="2077208" cy="2077208"/>
           </a:xfrm>
           <a:prstGeom prst="ellipse">
@@ -3846,11 +3911,11 @@
           <p:nvPr/>
         </p:nvPicPr>
         <p:blipFill rotWithShape="1">
-          <a:blip r:embed="rId4" cstate="print">
+          <a:blip r:embed="rId6" cstate="print">
             <a:extLst>
               <a:ext uri="{BEBA8EAE-BF5A-486C-A8C5-ECC9F3942E4B}">
                 <a14:imgProps xmlns:a14="http://schemas.microsoft.com/office/drawing/2010/main">
-                  <a14:imgLayer r:embed="rId5">
+                  <a14:imgLayer r:embed="rId7">
                     <a14:imgEffect>
                       <a14:saturation sat="0"/>
                     </a14:imgEffect>
@@ -3867,7 +3932,7 @@
         </p:blipFill>
         <p:spPr>
           <a:xfrm>
-            <a:off x="6432516" y="2523061"/>
+            <a:off x="7660183" y="1680517"/>
             <a:ext cx="2092166" cy="2092166"/>
           </a:xfrm>
           <a:prstGeom prst="ellipse">
@@ -3906,11 +3971,11 @@
           <p:nvPr/>
         </p:nvPicPr>
         <p:blipFill rotWithShape="1">
-          <a:blip r:embed="rId6" cstate="print">
+          <a:blip r:embed="rId8" cstate="print">
             <a:extLst>
               <a:ext uri="{BEBA8EAE-BF5A-486C-A8C5-ECC9F3942E4B}">
                 <a14:imgProps xmlns:a14="http://schemas.microsoft.com/office/drawing/2010/main">
-                  <a14:imgLayer r:embed="rId7">
+                  <a14:imgLayer r:embed="rId9">
                     <a14:imgEffect>
                       <a14:saturation sat="0"/>
                     </a14:imgEffect>
@@ -3927,7 +3992,7 @@
         </p:blipFill>
         <p:spPr>
           <a:xfrm>
-            <a:off x="3551287" y="2523061"/>
+            <a:off x="4778954" y="1680517"/>
             <a:ext cx="2032996" cy="2032996"/>
           </a:xfrm>
           <a:prstGeom prst="ellipse">
@@ -3950,11 +4015,11 @@
           <p:nvPr/>
         </p:nvPicPr>
         <p:blipFill>
-          <a:blip r:embed="rId8">
+          <a:blip r:embed="rId10">
             <a:extLst>
               <a:ext uri="{BEBA8EAE-BF5A-486C-A8C5-ECC9F3942E4B}">
                 <a14:imgProps xmlns:a14="http://schemas.microsoft.com/office/drawing/2010/main">
-                  <a14:imgLayer r:embed="rId9">
+                  <a14:imgLayer r:embed="rId11">
                     <a14:imgEffect>
                       <a14:saturation sat="0"/>
                     </a14:imgEffect>
@@ -3972,7 +4037,7 @@
         </p:blipFill>
         <p:spPr>
           <a:xfrm>
-            <a:off x="698291" y="2523061"/>
+            <a:off x="1925958" y="1680517"/>
             <a:ext cx="2031032" cy="2031032"/>
           </a:xfrm>
           <a:prstGeom prst="ellipse">
@@ -4113,7 +4178,7 @@
         </p:nvGrpSpPr>
         <p:grpSpPr>
           <a:xfrm>
-            <a:off x="1223482" y="4459660"/>
+            <a:off x="2451149" y="3617116"/>
             <a:ext cx="1965707" cy="400110"/>
             <a:chOff x="1690777" y="4816824"/>
             <a:chExt cx="2932981" cy="596994"/>
@@ -4205,7 +4270,7 @@
         </p:nvGrpSpPr>
         <p:grpSpPr>
           <a:xfrm>
-            <a:off x="3979733" y="4455930"/>
+            <a:off x="5207400" y="3613386"/>
             <a:ext cx="2044647" cy="400110"/>
             <a:chOff x="1690777" y="4816824"/>
             <a:chExt cx="2932981" cy="573946"/>
@@ -4297,7 +4362,7 @@
         </p:nvGrpSpPr>
         <p:grpSpPr>
           <a:xfrm>
-            <a:off x="6823157" y="4479470"/>
+            <a:off x="8050824" y="3636926"/>
             <a:ext cx="1992266" cy="400110"/>
             <a:chOff x="1690777" y="4816824"/>
             <a:chExt cx="2932981" cy="589035"/>
@@ -4395,7 +4460,7 @@
         </p:nvGrpSpPr>
         <p:grpSpPr>
           <a:xfrm>
-            <a:off x="9633118" y="4464341"/>
+            <a:off x="4015531" y="5978316"/>
             <a:ext cx="1927291" cy="400110"/>
             <a:chOff x="1690777" y="4816824"/>
             <a:chExt cx="2932981" cy="608894"/>
@@ -4491,6 +4556,116 @@
           </p:txBody>
         </p:sp>
       </p:grpSp>
+      <p:grpSp>
+        <p:nvGrpSpPr>
+          <p:cNvPr id="28" name="Group 16">
+            <a:extLst>
+              <a:ext uri="{FF2B5EF4-FFF2-40B4-BE49-F238E27FC236}">
+                <a16:creationId xmlns:a16="http://schemas.microsoft.com/office/drawing/2014/main" id="{FA626720-E747-4ED7-B3A4-5B09D099581B}"/>
+              </a:ext>
+            </a:extLst>
+          </p:cNvPr>
+          <p:cNvGrpSpPr/>
+          <p:nvPr/>
+        </p:nvGrpSpPr>
+        <p:grpSpPr>
+          <a:xfrm>
+            <a:off x="6809524" y="5978316"/>
+            <a:ext cx="1927291" cy="400110"/>
+            <a:chOff x="1690777" y="4816824"/>
+            <a:chExt cx="2932981" cy="608894"/>
+          </a:xfrm>
+        </p:grpSpPr>
+        <p:sp>
+          <p:nvSpPr>
+            <p:cNvPr id="32" name="Rectangle 11">
+              <a:extLst>
+                <a:ext uri="{FF2B5EF4-FFF2-40B4-BE49-F238E27FC236}">
+                  <a16:creationId xmlns:a16="http://schemas.microsoft.com/office/drawing/2014/main" id="{D4DA6866-09F1-49D5-8890-78A8F39BADE8}"/>
+                </a:ext>
+              </a:extLst>
+            </p:cNvPr>
+            <p:cNvSpPr/>
+            <p:nvPr/>
+          </p:nvSpPr>
+          <p:spPr>
+            <a:xfrm>
+              <a:off x="1690777" y="4822166"/>
+              <a:ext cx="2838091" cy="284671"/>
+            </a:xfrm>
+            <a:prstGeom prst="rect">
+              <a:avLst/>
+            </a:prstGeom>
+            <a:solidFill>
+              <a:srgbClr val="4DCE59"/>
+            </a:solidFill>
+            <a:ln>
+              <a:noFill/>
+            </a:ln>
+          </p:spPr>
+          <p:style>
+            <a:lnRef idx="2">
+              <a:schemeClr val="accent1">
+                <a:shade val="50000"/>
+              </a:schemeClr>
+            </a:lnRef>
+            <a:fillRef idx="1">
+              <a:schemeClr val="accent1"/>
+            </a:fillRef>
+            <a:effectRef idx="0">
+              <a:schemeClr val="accent1"/>
+            </a:effectRef>
+            <a:fontRef idx="minor">
+              <a:schemeClr val="lt1"/>
+            </a:fontRef>
+          </p:style>
+          <p:txBody>
+            <a:bodyPr rtlCol="0" anchor="ctr"/>
+            <a:lstStyle/>
+            <a:p>
+              <a:pPr algn="ctr"/>
+              <a:endParaRPr lang="pt-PT"/>
+            </a:p>
+          </p:txBody>
+        </p:sp>
+        <p:sp>
+          <p:nvSpPr>
+            <p:cNvPr id="33" name="TextBox 12">
+              <a:extLst>
+                <a:ext uri="{FF2B5EF4-FFF2-40B4-BE49-F238E27FC236}">
+                  <a16:creationId xmlns:a16="http://schemas.microsoft.com/office/drawing/2014/main" id="{8CF3A895-DA98-401A-96A0-D42D3AB4350F}"/>
+                </a:ext>
+              </a:extLst>
+            </p:cNvPr>
+            <p:cNvSpPr txBox="1"/>
+            <p:nvPr/>
+          </p:nvSpPr>
+          <p:spPr>
+            <a:xfrm>
+              <a:off x="1880558" y="4816824"/>
+              <a:ext cx="2743200" cy="608894"/>
+            </a:xfrm>
+            <a:prstGeom prst="rect">
+              <a:avLst/>
+            </a:prstGeom>
+            <a:noFill/>
+          </p:spPr>
+          <p:txBody>
+            <a:bodyPr wrap="square" rtlCol="0">
+              <a:spAutoFit/>
+            </a:bodyPr>
+            <a:lstStyle/>
+            <a:p>
+              <a:r>
+                <a:rPr lang="pt-PT" sz="2000" dirty="0">
+                  <a:latin typeface="Affogato Medium" panose="00000600000000000000" pitchFamily="50" charset="0"/>
+                </a:rPr>
+                <a:t>Nuno</a:t>
+              </a:r>
+            </a:p>
+          </p:txBody>
+        </p:sp>
+      </p:grpSp>
     </p:spTree>
     <p:extLst>
       <p:ext uri="{BB962C8B-B14F-4D97-AF65-F5344CB8AC3E}">
@@ -4577,1167 +4752,7 @@
             <p:ph idx="1"/>
             <p:extLst>
               <p:ext uri="{D42A27DB-BD31-4B8C-83A1-F6EECF244321}">
-                <p14:modId xmlns:p14="http://schemas.microsoft.com/office/powerpoint/2010/main" val="2948317151"/>
-              </p:ext>
-            </p:extLst>
-          </p:nvPr>
-        </p:nvGraphicFramePr>
-        <p:xfrm>
-          <a:off x="1258998" y="1825625"/>
-          <a:ext cx="9674003" cy="4732355"/>
-        </p:xfrm>
-        <a:graphic>
-          <a:graphicData uri="http://schemas.openxmlformats.org/drawingml/2006/table">
-            <a:tbl>
-              <a:tblPr firstRow="1" bandRow="1">
-                <a:tableStyleId>{93296810-A885-4BE3-A3E7-6D5BEEA58F35}</a:tableStyleId>
-              </a:tblPr>
-              <a:tblGrid>
-                <a:gridCol w="1452397">
-                  <a:extLst>
-                    <a:ext uri="{9D8B030D-6E8A-4147-A177-3AD203B41FA5}">
-                      <a16:colId xmlns:a16="http://schemas.microsoft.com/office/drawing/2014/main" val="3839103568"/>
-                    </a:ext>
-                  </a:extLst>
-                </a:gridCol>
-                <a:gridCol w="2146852">
-                  <a:extLst>
-                    <a:ext uri="{9D8B030D-6E8A-4147-A177-3AD203B41FA5}">
-                      <a16:colId xmlns:a16="http://schemas.microsoft.com/office/drawing/2014/main" val="187051537"/>
-                    </a:ext>
-                  </a:extLst>
-                </a:gridCol>
-                <a:gridCol w="1924216">
-                  <a:extLst>
-                    <a:ext uri="{9D8B030D-6E8A-4147-A177-3AD203B41FA5}">
-                      <a16:colId xmlns:a16="http://schemas.microsoft.com/office/drawing/2014/main" val="2025017854"/>
-                    </a:ext>
-                  </a:extLst>
-                </a:gridCol>
-                <a:gridCol w="1956020">
-                  <a:extLst>
-                    <a:ext uri="{9D8B030D-6E8A-4147-A177-3AD203B41FA5}">
-                      <a16:colId xmlns:a16="http://schemas.microsoft.com/office/drawing/2014/main" val="3101291510"/>
-                    </a:ext>
-                  </a:extLst>
-                </a:gridCol>
-                <a:gridCol w="2194518">
-                  <a:extLst>
-                    <a:ext uri="{9D8B030D-6E8A-4147-A177-3AD203B41FA5}">
-                      <a16:colId xmlns:a16="http://schemas.microsoft.com/office/drawing/2014/main" val="3695970854"/>
-                    </a:ext>
-                  </a:extLst>
-                </a:gridCol>
-              </a:tblGrid>
-              <a:tr h="469001">
-                <a:tc>
-                  <a:txBody>
-                    <a:bodyPr/>
-                    <a:lstStyle/>
-                    <a:p>
-                      <a:endParaRPr lang="pt-PT" dirty="0"/>
-                    </a:p>
-                  </a:txBody>
-                  <a:tcPr>
-                    <a:lnL w="12700" cmpd="sng">
-                      <a:noFill/>
-                    </a:lnL>
-                    <a:lnR w="12700" cmpd="sng">
-                      <a:noFill/>
-                    </a:lnR>
-                    <a:lnT w="12700" cmpd="sng">
-                      <a:noFill/>
-                    </a:lnT>
-                    <a:lnB w="38100" cmpd="sng">
-                      <a:noFill/>
-                    </a:lnB>
-                    <a:lnTlToBr w="12700" cmpd="sng">
-                      <a:noFill/>
-                      <a:prstDash val="solid"/>
-                    </a:lnTlToBr>
-                    <a:lnBlToTr w="12700" cmpd="sng">
-                      <a:noFill/>
-                      <a:prstDash val="solid"/>
-                    </a:lnBlToTr>
-                    <a:solidFill>
-                      <a:srgbClr val="009245"/>
-                    </a:solidFill>
-                  </a:tcPr>
-                </a:tc>
-                <a:tc>
-                  <a:txBody>
-                    <a:bodyPr/>
-                    <a:lstStyle/>
-                    <a:p>
-                      <a:pPr algn="ctr"/>
-                      <a:r>
-                        <a:rPr lang="pt-PT" spc="300" dirty="0">
-                          <a:solidFill>
-                            <a:schemeClr val="bg1"/>
-                          </a:solidFill>
-                          <a:latin typeface="Affogato Light" panose="00000400000000000000" pitchFamily="50" charset="0"/>
-                        </a:rPr>
-                        <a:t>TASK</a:t>
-                      </a:r>
-                      <a:r>
-                        <a:rPr lang="pt-PT" spc="300" baseline="0" dirty="0">
-                          <a:solidFill>
-                            <a:schemeClr val="bg1"/>
-                          </a:solidFill>
-                          <a:latin typeface="Affogato Light" panose="00000400000000000000" pitchFamily="50" charset="0"/>
-                        </a:rPr>
-                        <a:t> #1</a:t>
-                      </a:r>
-                      <a:endParaRPr lang="pt-PT" spc="300" dirty="0">
-                        <a:solidFill>
-                          <a:schemeClr val="bg1"/>
-                        </a:solidFill>
-                        <a:latin typeface="Affogato Light" panose="00000400000000000000" pitchFamily="50" charset="0"/>
-                      </a:endParaRPr>
-                    </a:p>
-                  </a:txBody>
-                  <a:tcPr anchor="ctr">
-                    <a:lnL w="12700" cmpd="sng">
-                      <a:noFill/>
-                    </a:lnL>
-                    <a:lnR w="12700" cmpd="sng">
-                      <a:noFill/>
-                    </a:lnR>
-                    <a:lnT w="12700" cmpd="sng">
-                      <a:noFill/>
-                    </a:lnT>
-                    <a:lnB w="38100" cmpd="sng">
-                      <a:noFill/>
-                    </a:lnB>
-                    <a:lnTlToBr w="12700" cmpd="sng">
-                      <a:noFill/>
-                      <a:prstDash val="solid"/>
-                    </a:lnTlToBr>
-                    <a:lnBlToTr w="12700" cmpd="sng">
-                      <a:noFill/>
-                      <a:prstDash val="solid"/>
-                    </a:lnBlToTr>
-                    <a:solidFill>
-                      <a:srgbClr val="009245"/>
-                    </a:solidFill>
-                  </a:tcPr>
-                </a:tc>
-                <a:tc>
-                  <a:txBody>
-                    <a:bodyPr/>
-                    <a:lstStyle/>
-                    <a:p>
-                      <a:pPr marL="0" marR="0" indent="0" algn="ctr" defTabSz="914400" rtl="0" eaLnBrk="1" fontAlgn="auto" latinLnBrk="0" hangingPunct="1">
-                        <a:lnSpc>
-                          <a:spcPct val="100000"/>
-                        </a:lnSpc>
-                        <a:spcBef>
-                          <a:spcPts val="0"/>
-                        </a:spcBef>
-                        <a:spcAft>
-                          <a:spcPts val="0"/>
-                        </a:spcAft>
-                        <a:buClrTx/>
-                        <a:buSzTx/>
-                        <a:buFontTx/>
-                        <a:buNone/>
-                        <a:tabLst/>
-                        <a:defRPr/>
-                      </a:pPr>
-                      <a:r>
-                        <a:rPr lang="pt-PT" spc="300" dirty="0">
-                          <a:solidFill>
-                            <a:schemeClr val="bg1"/>
-                          </a:solidFill>
-                          <a:latin typeface="Affogato Light" panose="00000400000000000000" pitchFamily="50" charset="0"/>
-                        </a:rPr>
-                        <a:t>TASK</a:t>
-                      </a:r>
-                      <a:r>
-                        <a:rPr lang="pt-PT" spc="300" baseline="0" dirty="0">
-                          <a:solidFill>
-                            <a:schemeClr val="bg1"/>
-                          </a:solidFill>
-                          <a:latin typeface="Affogato Light" panose="00000400000000000000" pitchFamily="50" charset="0"/>
-                        </a:rPr>
-                        <a:t> #2</a:t>
-                      </a:r>
-                      <a:endParaRPr lang="pt-PT" spc="300" dirty="0">
-                        <a:solidFill>
-                          <a:schemeClr val="bg1"/>
-                        </a:solidFill>
-                        <a:latin typeface="Affogato Light" panose="00000400000000000000" pitchFamily="50" charset="0"/>
-                      </a:endParaRPr>
-                    </a:p>
-                  </a:txBody>
-                  <a:tcPr anchor="ctr">
-                    <a:lnL w="12700" cmpd="sng">
-                      <a:noFill/>
-                    </a:lnL>
-                    <a:lnR w="12700" cmpd="sng">
-                      <a:noFill/>
-                    </a:lnR>
-                    <a:lnT w="12700" cmpd="sng">
-                      <a:noFill/>
-                    </a:lnT>
-                    <a:lnB w="38100" cmpd="sng">
-                      <a:noFill/>
-                    </a:lnB>
-                    <a:lnTlToBr w="12700" cmpd="sng">
-                      <a:noFill/>
-                      <a:prstDash val="solid"/>
-                    </a:lnTlToBr>
-                    <a:lnBlToTr w="12700" cmpd="sng">
-                      <a:noFill/>
-                      <a:prstDash val="solid"/>
-                    </a:lnBlToTr>
-                    <a:solidFill>
-                      <a:srgbClr val="009245"/>
-                    </a:solidFill>
-                  </a:tcPr>
-                </a:tc>
-                <a:tc>
-                  <a:txBody>
-                    <a:bodyPr/>
-                    <a:lstStyle/>
-                    <a:p>
-                      <a:pPr marL="0" marR="0" indent="0" algn="ctr" defTabSz="914400" rtl="0" eaLnBrk="1" fontAlgn="auto" latinLnBrk="0" hangingPunct="1">
-                        <a:lnSpc>
-                          <a:spcPct val="100000"/>
-                        </a:lnSpc>
-                        <a:spcBef>
-                          <a:spcPts val="0"/>
-                        </a:spcBef>
-                        <a:spcAft>
-                          <a:spcPts val="0"/>
-                        </a:spcAft>
-                        <a:buClrTx/>
-                        <a:buSzTx/>
-                        <a:buFontTx/>
-                        <a:buNone/>
-                        <a:tabLst/>
-                        <a:defRPr/>
-                      </a:pPr>
-                      <a:r>
-                        <a:rPr lang="pt-PT" spc="300" dirty="0">
-                          <a:solidFill>
-                            <a:schemeClr val="bg1"/>
-                          </a:solidFill>
-                          <a:latin typeface="Affogato Light" panose="00000400000000000000" pitchFamily="50" charset="0"/>
-                        </a:rPr>
-                        <a:t>TASK #3</a:t>
-                      </a:r>
-                    </a:p>
-                  </a:txBody>
-                  <a:tcPr anchor="ctr">
-                    <a:lnL w="12700" cmpd="sng">
-                      <a:noFill/>
-                    </a:lnL>
-                    <a:lnR w="12700" cmpd="sng">
-                      <a:noFill/>
-                    </a:lnR>
-                    <a:lnT w="12700" cmpd="sng">
-                      <a:noFill/>
-                    </a:lnT>
-                    <a:lnB w="38100" cmpd="sng">
-                      <a:noFill/>
-                    </a:lnB>
-                    <a:lnTlToBr w="12700" cmpd="sng">
-                      <a:noFill/>
-                      <a:prstDash val="solid"/>
-                    </a:lnTlToBr>
-                    <a:lnBlToTr w="12700" cmpd="sng">
-                      <a:noFill/>
-                      <a:prstDash val="solid"/>
-                    </a:lnBlToTr>
-                    <a:solidFill>
-                      <a:srgbClr val="009245"/>
-                    </a:solidFill>
-                  </a:tcPr>
-                </a:tc>
-                <a:tc>
-                  <a:txBody>
-                    <a:bodyPr/>
-                    <a:lstStyle/>
-                    <a:p>
-                      <a:pPr marL="0" marR="0" indent="0" algn="ctr" defTabSz="914400" rtl="0" eaLnBrk="1" fontAlgn="auto" latinLnBrk="0" hangingPunct="1">
-                        <a:lnSpc>
-                          <a:spcPct val="100000"/>
-                        </a:lnSpc>
-                        <a:spcBef>
-                          <a:spcPts val="0"/>
-                        </a:spcBef>
-                        <a:spcAft>
-                          <a:spcPts val="0"/>
-                        </a:spcAft>
-                        <a:buClrTx/>
-                        <a:buSzTx/>
-                        <a:buFontTx/>
-                        <a:buNone/>
-                        <a:tabLst/>
-                        <a:defRPr/>
-                      </a:pPr>
-                      <a:r>
-                        <a:rPr lang="pt-PT" spc="300" dirty="0">
-                          <a:solidFill>
-                            <a:schemeClr val="bg1"/>
-                          </a:solidFill>
-                          <a:latin typeface="Affogato Light" panose="00000400000000000000" pitchFamily="50" charset="0"/>
-                        </a:rPr>
-                        <a:t>TASK</a:t>
-                      </a:r>
-                      <a:r>
-                        <a:rPr lang="pt-PT" spc="300" baseline="0" dirty="0">
-                          <a:solidFill>
-                            <a:schemeClr val="bg1"/>
-                          </a:solidFill>
-                          <a:latin typeface="Affogato Light" panose="00000400000000000000" pitchFamily="50" charset="0"/>
-                        </a:rPr>
-                        <a:t> #4</a:t>
-                      </a:r>
-                    </a:p>
-                  </a:txBody>
-                  <a:tcPr anchor="ctr">
-                    <a:lnL w="12700" cmpd="sng">
-                      <a:noFill/>
-                    </a:lnL>
-                    <a:lnR w="12700" cmpd="sng">
-                      <a:noFill/>
-                    </a:lnR>
-                    <a:lnT w="12700" cmpd="sng">
-                      <a:noFill/>
-                    </a:lnT>
-                    <a:lnB w="38100" cmpd="sng">
-                      <a:noFill/>
-                    </a:lnB>
-                    <a:lnTlToBr w="12700" cmpd="sng">
-                      <a:noFill/>
-                      <a:prstDash val="solid"/>
-                    </a:lnTlToBr>
-                    <a:lnBlToTr w="12700" cmpd="sng">
-                      <a:noFill/>
-                      <a:prstDash val="solid"/>
-                    </a:lnBlToTr>
-                    <a:solidFill>
-                      <a:srgbClr val="009245"/>
-                    </a:solidFill>
-                  </a:tcPr>
-                </a:tc>
-                <a:extLst>
-                  <a:ext uri="{0D108BD9-81ED-4DB2-BD59-A6C34878D82A}">
-                    <a16:rowId xmlns:a16="http://schemas.microsoft.com/office/drawing/2014/main" val="3610859294"/>
-                  </a:ext>
-                </a:extLst>
-              </a:tr>
-              <a:tr h="811518">
-                <a:tc>
-                  <a:txBody>
-                    <a:bodyPr/>
-                    <a:lstStyle/>
-                    <a:p>
-                      <a:pPr algn="ctr"/>
-                      <a:r>
-                        <a:rPr lang="pt-PT" spc="300" dirty="0">
-                          <a:latin typeface="Affogato Light" panose="00000400000000000000" pitchFamily="50" charset="0"/>
-                        </a:rPr>
-                        <a:t>TASK</a:t>
-                      </a:r>
-                    </a:p>
-                  </a:txBody>
-                  <a:tcPr anchor="ctr">
-                    <a:lnT w="38100" cmpd="sng">
-                      <a:noFill/>
-                    </a:lnT>
-                  </a:tcPr>
-                </a:tc>
-                <a:tc>
-                  <a:txBody>
-                    <a:bodyPr/>
-                    <a:lstStyle/>
-                    <a:p>
-                      <a:pPr algn="ctr"/>
-                      <a:r>
-                        <a:rPr lang="pt-PT" dirty="0">
-                          <a:latin typeface="Affogato" panose="00000500000000000000" pitchFamily="50" charset="0"/>
-                        </a:rPr>
-                        <a:t>Do </a:t>
-                      </a:r>
-                      <a:r>
-                        <a:rPr lang="pt-PT" dirty="0" err="1">
-                          <a:latin typeface="Affogato" panose="00000500000000000000" pitchFamily="50" charset="0"/>
-                        </a:rPr>
-                        <a:t>gantt</a:t>
-                      </a:r>
-                      <a:r>
-                        <a:rPr lang="pt-PT" dirty="0">
-                          <a:latin typeface="Affogato" panose="00000500000000000000" pitchFamily="50" charset="0"/>
-                        </a:rPr>
-                        <a:t> </a:t>
-                      </a:r>
-                      <a:r>
-                        <a:rPr lang="pt-PT" dirty="0" err="1">
-                          <a:latin typeface="Affogato" panose="00000500000000000000" pitchFamily="50" charset="0"/>
-                        </a:rPr>
-                        <a:t>diagram</a:t>
-                      </a:r>
-                      <a:endParaRPr lang="pt-PT" dirty="0">
-                        <a:latin typeface="Affogato" panose="00000500000000000000" pitchFamily="50" charset="0"/>
-                      </a:endParaRPr>
-                    </a:p>
-                  </a:txBody>
-                  <a:tcPr anchor="ctr">
-                    <a:lnT w="38100" cmpd="sng">
-                      <a:noFill/>
-                    </a:lnT>
-                  </a:tcPr>
-                </a:tc>
-                <a:tc>
-                  <a:txBody>
-                    <a:bodyPr/>
-                    <a:lstStyle/>
-                    <a:p>
-                      <a:pPr algn="ctr"/>
-                      <a:r>
-                        <a:rPr lang="pt-PT" i="0" dirty="0">
-                          <a:latin typeface="Affogato" panose="00000500000000000000" pitchFamily="50" charset="0"/>
-                        </a:rPr>
-                        <a:t>Meeting </a:t>
-                      </a:r>
-                      <a:r>
-                        <a:rPr lang="pt-PT" i="0" dirty="0" err="1">
-                          <a:latin typeface="Affogato" panose="00000500000000000000" pitchFamily="50" charset="0"/>
-                        </a:rPr>
-                        <a:t>with</a:t>
-                      </a:r>
-                      <a:r>
-                        <a:rPr lang="pt-PT" i="0" dirty="0">
-                          <a:latin typeface="Affogato" panose="00000500000000000000" pitchFamily="50" charset="0"/>
-                        </a:rPr>
-                        <a:t> </a:t>
-                      </a:r>
-                      <a:r>
-                        <a:rPr lang="pt-PT" i="0" dirty="0" err="1">
-                          <a:latin typeface="Affogato" panose="00000500000000000000" pitchFamily="50" charset="0"/>
-                        </a:rPr>
-                        <a:t>the</a:t>
-                      </a:r>
-                      <a:r>
-                        <a:rPr lang="pt-PT" i="0" dirty="0">
-                          <a:latin typeface="Affogato" panose="00000500000000000000" pitchFamily="50" charset="0"/>
-                        </a:rPr>
-                        <a:t> </a:t>
-                      </a:r>
-                      <a:r>
-                        <a:rPr lang="pt-PT" i="0" dirty="0" err="1">
-                          <a:latin typeface="Affogato" panose="00000500000000000000" pitchFamily="50" charset="0"/>
-                        </a:rPr>
-                        <a:t>client</a:t>
-                      </a:r>
-                      <a:endParaRPr lang="pt-PT" i="0" dirty="0">
-                        <a:latin typeface="Affogato" panose="00000500000000000000" pitchFamily="50" charset="0"/>
-                      </a:endParaRPr>
-                    </a:p>
-                  </a:txBody>
-                  <a:tcPr anchor="ctr">
-                    <a:lnT w="38100" cmpd="sng">
-                      <a:noFill/>
-                    </a:lnT>
-                  </a:tcPr>
-                </a:tc>
-                <a:tc>
-                  <a:txBody>
-                    <a:bodyPr/>
-                    <a:lstStyle/>
-                    <a:p>
-                      <a:pPr algn="ctr"/>
-                      <a:r>
-                        <a:rPr lang="pt-PT" dirty="0">
-                          <a:latin typeface="Affogato" panose="00000500000000000000" pitchFamily="50" charset="0"/>
-                        </a:rPr>
-                        <a:t>Prepare </a:t>
-                      </a:r>
-                      <a:r>
-                        <a:rPr lang="pt-PT" dirty="0" err="1">
-                          <a:latin typeface="Affogato" panose="00000500000000000000" pitchFamily="50" charset="0"/>
-                        </a:rPr>
-                        <a:t>the</a:t>
-                      </a:r>
-                      <a:r>
-                        <a:rPr lang="pt-PT" dirty="0">
-                          <a:latin typeface="Affogato" panose="00000500000000000000" pitchFamily="50" charset="0"/>
-                        </a:rPr>
-                        <a:t> </a:t>
-                      </a:r>
-                      <a:r>
-                        <a:rPr lang="pt-PT" dirty="0" err="1">
-                          <a:latin typeface="Affogato" panose="00000500000000000000" pitchFamily="50" charset="0"/>
-                        </a:rPr>
-                        <a:t>weekly</a:t>
-                      </a:r>
-                      <a:r>
-                        <a:rPr lang="pt-PT" dirty="0">
-                          <a:latin typeface="Affogato" panose="00000500000000000000" pitchFamily="50" charset="0"/>
-                        </a:rPr>
-                        <a:t> </a:t>
-                      </a:r>
-                      <a:r>
-                        <a:rPr lang="pt-PT" dirty="0" err="1">
-                          <a:latin typeface="Affogato" panose="00000500000000000000" pitchFamily="50" charset="0"/>
-                        </a:rPr>
-                        <a:t>presentation</a:t>
-                      </a:r>
-                      <a:endParaRPr lang="pt-PT" dirty="0">
-                        <a:latin typeface="Affogato" panose="00000500000000000000" pitchFamily="50" charset="0"/>
-                      </a:endParaRPr>
-                    </a:p>
-                  </a:txBody>
-                  <a:tcPr anchor="ctr">
-                    <a:lnT w="38100" cmpd="sng">
-                      <a:noFill/>
-                    </a:lnT>
-                  </a:tcPr>
-                </a:tc>
-                <a:tc>
-                  <a:txBody>
-                    <a:bodyPr/>
-                    <a:lstStyle/>
-                    <a:p>
-                      <a:pPr marL="0" marR="0" lvl="0" indent="0" algn="ctr" defTabSz="914400" rtl="0" eaLnBrk="1" fontAlgn="auto" latinLnBrk="0" hangingPunct="1">
-                        <a:lnSpc>
-                          <a:spcPct val="100000"/>
-                        </a:lnSpc>
-                        <a:spcBef>
-                          <a:spcPts val="0"/>
-                        </a:spcBef>
-                        <a:spcAft>
-                          <a:spcPts val="0"/>
-                        </a:spcAft>
-                        <a:buClrTx/>
-                        <a:buSzTx/>
-                        <a:buFontTx/>
-                        <a:buNone/>
-                        <a:tabLst/>
-                        <a:defRPr/>
-                      </a:pPr>
-                      <a:r>
-                        <a:rPr lang="pt-PT" dirty="0" err="1">
-                          <a:latin typeface="Affogato" panose="00000500000000000000" pitchFamily="50" charset="0"/>
-                        </a:rPr>
-                        <a:t>Internal</a:t>
-                      </a:r>
-                      <a:r>
-                        <a:rPr lang="pt-PT" dirty="0">
-                          <a:latin typeface="Affogato" panose="00000500000000000000" pitchFamily="50" charset="0"/>
-                        </a:rPr>
-                        <a:t> meeting</a:t>
-                      </a:r>
-                    </a:p>
-                  </a:txBody>
-                  <a:tcPr anchor="ctr">
-                    <a:lnT w="38100" cmpd="sng">
-                      <a:noFill/>
-                    </a:lnT>
-                  </a:tcPr>
-                </a:tc>
-                <a:extLst>
-                  <a:ext uri="{0D108BD9-81ED-4DB2-BD59-A6C34878D82A}">
-                    <a16:rowId xmlns:a16="http://schemas.microsoft.com/office/drawing/2014/main" val="641888722"/>
-                  </a:ext>
-                </a:extLst>
-              </a:tr>
-              <a:tr h="879092">
-                <a:tc>
-                  <a:txBody>
-                    <a:bodyPr/>
-                    <a:lstStyle/>
-                    <a:p>
-                      <a:pPr marL="0" marR="0" indent="0" algn="ctr" defTabSz="914400" rtl="0" eaLnBrk="1" fontAlgn="auto" latinLnBrk="0" hangingPunct="1">
-                        <a:lnSpc>
-                          <a:spcPct val="100000"/>
-                        </a:lnSpc>
-                        <a:spcBef>
-                          <a:spcPts val="0"/>
-                        </a:spcBef>
-                        <a:spcAft>
-                          <a:spcPts val="0"/>
-                        </a:spcAft>
-                        <a:buClrTx/>
-                        <a:buSzTx/>
-                        <a:buFontTx/>
-                        <a:buNone/>
-                        <a:tabLst/>
-                        <a:defRPr/>
-                      </a:pPr>
-                      <a:r>
-                        <a:rPr lang="pt-PT" sz="1800" spc="300" dirty="0">
-                          <a:latin typeface="Affogato Light" panose="00000400000000000000" pitchFamily="50" charset="0"/>
-                        </a:rPr>
-                        <a:t>OWNER</a:t>
-                      </a:r>
-                    </a:p>
-                  </a:txBody>
-                  <a:tcPr anchor="ctr"/>
-                </a:tc>
-                <a:tc>
-                  <a:txBody>
-                    <a:bodyPr/>
-                    <a:lstStyle/>
-                    <a:p>
-                      <a:pPr algn="ctr"/>
-                      <a:r>
-                        <a:rPr lang="pt-PT" dirty="0">
-                          <a:latin typeface="Affogato" panose="00000500000000000000" pitchFamily="50" charset="0"/>
-                        </a:rPr>
-                        <a:t>Alexandre</a:t>
-                      </a:r>
-                    </a:p>
-                  </a:txBody>
-                  <a:tcPr anchor="ctr"/>
-                </a:tc>
-                <a:tc>
-                  <a:txBody>
-                    <a:bodyPr/>
-                    <a:lstStyle/>
-                    <a:p>
-                      <a:pPr algn="ctr"/>
-                      <a:r>
-                        <a:rPr lang="pt-PT" dirty="0">
-                          <a:latin typeface="Affogato" panose="00000500000000000000" pitchFamily="50" charset="0"/>
-                        </a:rPr>
-                        <a:t>Paulo, Emanuel</a:t>
-                      </a:r>
-                    </a:p>
-                  </a:txBody>
-                  <a:tcPr anchor="ctr"/>
-                </a:tc>
-                <a:tc>
-                  <a:txBody>
-                    <a:bodyPr/>
-                    <a:lstStyle/>
-                    <a:p>
-                      <a:pPr algn="ctr"/>
-                      <a:r>
-                        <a:rPr lang="pt-PT" dirty="0">
-                          <a:latin typeface="Affogato" panose="00000500000000000000" pitchFamily="50" charset="0"/>
-                        </a:rPr>
-                        <a:t>Marco</a:t>
-                      </a:r>
-                    </a:p>
-                  </a:txBody>
-                  <a:tcPr anchor="ctr"/>
-                </a:tc>
-                <a:tc>
-                  <a:txBody>
-                    <a:bodyPr/>
-                    <a:lstStyle/>
-                    <a:p>
-                      <a:pPr algn="ctr"/>
-                      <a:r>
-                        <a:rPr lang="pt-PT" dirty="0">
-                          <a:latin typeface="Affogato" panose="00000500000000000000" pitchFamily="50" charset="0"/>
-                        </a:rPr>
-                        <a:t>Alexandre, Emanuel, Marco, Paulo</a:t>
-                      </a:r>
-                    </a:p>
-                  </a:txBody>
-                  <a:tcPr anchor="ctr"/>
-                </a:tc>
-                <a:extLst>
-                  <a:ext uri="{0D108BD9-81ED-4DB2-BD59-A6C34878D82A}">
-                    <a16:rowId xmlns:a16="http://schemas.microsoft.com/office/drawing/2014/main" val="109270533"/>
-                  </a:ext>
-                </a:extLst>
-              </a:tr>
-              <a:tr h="811518">
-                <a:tc>
-                  <a:txBody>
-                    <a:bodyPr/>
-                    <a:lstStyle/>
-                    <a:p>
-                      <a:pPr marL="0" marR="0" indent="0" algn="ctr" defTabSz="914400" rtl="0" eaLnBrk="1" fontAlgn="auto" latinLnBrk="0" hangingPunct="1">
-                        <a:lnSpc>
-                          <a:spcPct val="100000"/>
-                        </a:lnSpc>
-                        <a:spcBef>
-                          <a:spcPts val="0"/>
-                        </a:spcBef>
-                        <a:spcAft>
-                          <a:spcPts val="0"/>
-                        </a:spcAft>
-                        <a:buClrTx/>
-                        <a:buSzTx/>
-                        <a:buFontTx/>
-                        <a:buNone/>
-                        <a:tabLst/>
-                        <a:defRPr/>
-                      </a:pPr>
-                      <a:r>
-                        <a:rPr lang="pt-PT" sz="1800" spc="300" dirty="0">
-                          <a:latin typeface="Affogato Light" panose="00000400000000000000" pitchFamily="50" charset="0"/>
-                        </a:rPr>
-                        <a:t>GOAL</a:t>
-                      </a:r>
-                    </a:p>
-                    <a:p>
-                      <a:pPr marL="0" marR="0" indent="0" algn="ctr" defTabSz="914400" rtl="0" eaLnBrk="1" fontAlgn="auto" latinLnBrk="0" hangingPunct="1">
-                        <a:lnSpc>
-                          <a:spcPct val="100000"/>
-                        </a:lnSpc>
-                        <a:spcBef>
-                          <a:spcPts val="0"/>
-                        </a:spcBef>
-                        <a:spcAft>
-                          <a:spcPts val="0"/>
-                        </a:spcAft>
-                        <a:buClrTx/>
-                        <a:buSzTx/>
-                        <a:buFontTx/>
-                        <a:buNone/>
-                        <a:tabLst/>
-                        <a:defRPr/>
-                      </a:pPr>
-                      <a:r>
-                        <a:rPr lang="pt-PT" sz="1800" spc="300" dirty="0">
-                          <a:latin typeface="Affogato Light" panose="00000400000000000000" pitchFamily="50" charset="0"/>
-                        </a:rPr>
-                        <a:t>EFFORT</a:t>
-                      </a:r>
-                    </a:p>
-                  </a:txBody>
-                  <a:tcPr anchor="ctr"/>
-                </a:tc>
-                <a:tc>
-                  <a:txBody>
-                    <a:bodyPr/>
-                    <a:lstStyle/>
-                    <a:p>
-                      <a:pPr algn="ctr"/>
-                      <a:r>
-                        <a:rPr lang="pt-PT" dirty="0">
-                          <a:latin typeface="Affogato" panose="00000500000000000000" pitchFamily="50" charset="0"/>
-                        </a:rPr>
-                        <a:t>1 H</a:t>
-                      </a:r>
-                    </a:p>
-                  </a:txBody>
-                  <a:tcPr anchor="ctr"/>
-                </a:tc>
-                <a:tc>
-                  <a:txBody>
-                    <a:bodyPr/>
-                    <a:lstStyle/>
-                    <a:p>
-                      <a:pPr algn="ctr"/>
-                      <a:r>
-                        <a:rPr lang="pt-PT" dirty="0">
-                          <a:latin typeface="Affogato" panose="00000500000000000000" pitchFamily="50" charset="0"/>
-                        </a:rPr>
-                        <a:t>1 H</a:t>
-                      </a:r>
-                    </a:p>
-                  </a:txBody>
-                  <a:tcPr anchor="ctr"/>
-                </a:tc>
-                <a:tc>
-                  <a:txBody>
-                    <a:bodyPr/>
-                    <a:lstStyle/>
-                    <a:p>
-                      <a:pPr algn="ctr"/>
-                      <a:r>
-                        <a:rPr lang="pt-PT" dirty="0">
-                          <a:latin typeface="Affogato" panose="00000500000000000000" pitchFamily="50" charset="0"/>
-                        </a:rPr>
-                        <a:t>1 H</a:t>
-                      </a:r>
-                    </a:p>
-                  </a:txBody>
-                  <a:tcPr anchor="ctr"/>
-                </a:tc>
-                <a:tc>
-                  <a:txBody>
-                    <a:bodyPr/>
-                    <a:lstStyle/>
-                    <a:p>
-                      <a:pPr algn="ctr"/>
-                      <a:r>
-                        <a:rPr lang="pt-PT" dirty="0">
-                          <a:latin typeface="Affogato" panose="00000500000000000000" pitchFamily="50" charset="0"/>
-                        </a:rPr>
-                        <a:t>1 H 30</a:t>
-                      </a:r>
-                    </a:p>
-                  </a:txBody>
-                  <a:tcPr anchor="ctr"/>
-                </a:tc>
-                <a:extLst>
-                  <a:ext uri="{0D108BD9-81ED-4DB2-BD59-A6C34878D82A}">
-                    <a16:rowId xmlns:a16="http://schemas.microsoft.com/office/drawing/2014/main" val="3364657508"/>
-                  </a:ext>
-                </a:extLst>
-              </a:tr>
-              <a:tr h="811518">
-                <a:tc>
-                  <a:txBody>
-                    <a:bodyPr/>
-                    <a:lstStyle/>
-                    <a:p>
-                      <a:pPr marL="0" marR="0" indent="0" algn="ctr" defTabSz="914400" rtl="0" eaLnBrk="1" fontAlgn="auto" latinLnBrk="0" hangingPunct="1">
-                        <a:lnSpc>
-                          <a:spcPct val="100000"/>
-                        </a:lnSpc>
-                        <a:spcBef>
-                          <a:spcPts val="0"/>
-                        </a:spcBef>
-                        <a:spcAft>
-                          <a:spcPts val="0"/>
-                        </a:spcAft>
-                        <a:buClrTx/>
-                        <a:buSzTx/>
-                        <a:buFontTx/>
-                        <a:buNone/>
-                        <a:tabLst/>
-                        <a:defRPr/>
-                      </a:pPr>
-                      <a:r>
-                        <a:rPr lang="pt-PT" sz="1100" spc="300" dirty="0">
-                          <a:latin typeface="Affogato Light" panose="00000400000000000000" pitchFamily="50" charset="0"/>
-                        </a:rPr>
-                        <a:t> EFFECTIVE EFFORT</a:t>
-                      </a:r>
-                      <a:endParaRPr lang="pt-PT" sz="1800" spc="300" dirty="0">
-                        <a:latin typeface="Affogato Light" panose="00000400000000000000" pitchFamily="50" charset="0"/>
-                      </a:endParaRPr>
-                    </a:p>
-                  </a:txBody>
-                  <a:tcPr anchor="ctr"/>
-                </a:tc>
-                <a:tc>
-                  <a:txBody>
-                    <a:bodyPr/>
-                    <a:lstStyle/>
-                    <a:p>
-                      <a:pPr algn="ctr"/>
-                      <a:r>
-                        <a:rPr lang="pt-PT" dirty="0">
-                          <a:latin typeface="Affogato" panose="00000500000000000000" pitchFamily="50" charset="0"/>
-                        </a:rPr>
-                        <a:t>1 H 35 </a:t>
-                      </a:r>
-                    </a:p>
-                  </a:txBody>
-                  <a:tcPr anchor="ctr"/>
-                </a:tc>
-                <a:tc>
-                  <a:txBody>
-                    <a:bodyPr/>
-                    <a:lstStyle/>
-                    <a:p>
-                      <a:pPr algn="ctr"/>
-                      <a:r>
-                        <a:rPr lang="pt-PT" dirty="0">
-                          <a:latin typeface="Affogato" panose="00000500000000000000" pitchFamily="50" charset="0"/>
-                        </a:rPr>
-                        <a:t>0 H 55</a:t>
-                      </a:r>
-                    </a:p>
-                  </a:txBody>
-                  <a:tcPr anchor="ctr"/>
-                </a:tc>
-                <a:tc>
-                  <a:txBody>
-                    <a:bodyPr/>
-                    <a:lstStyle/>
-                    <a:p>
-                      <a:pPr algn="ctr"/>
-                      <a:r>
-                        <a:rPr lang="pt-PT" dirty="0">
-                          <a:latin typeface="Affogato" panose="00000500000000000000" pitchFamily="50" charset="0"/>
-                        </a:rPr>
-                        <a:t>1 H 10</a:t>
-                      </a:r>
-                    </a:p>
-                  </a:txBody>
-                  <a:tcPr anchor="ctr"/>
-                </a:tc>
-                <a:tc>
-                  <a:txBody>
-                    <a:bodyPr/>
-                    <a:lstStyle/>
-                    <a:p>
-                      <a:pPr algn="ctr"/>
-                      <a:r>
-                        <a:rPr lang="pt-PT" dirty="0">
-                          <a:latin typeface="Affogato" panose="00000500000000000000" pitchFamily="50" charset="0"/>
-                        </a:rPr>
-                        <a:t>1 H 45</a:t>
-                      </a:r>
-                    </a:p>
-                  </a:txBody>
-                  <a:tcPr anchor="ctr"/>
-                </a:tc>
-                <a:extLst>
-                  <a:ext uri="{0D108BD9-81ED-4DB2-BD59-A6C34878D82A}">
-                    <a16:rowId xmlns:a16="http://schemas.microsoft.com/office/drawing/2014/main" val="3403234533"/>
-                  </a:ext>
-                </a:extLst>
-              </a:tr>
-              <a:tr h="811518">
-                <a:tc>
-                  <a:txBody>
-                    <a:bodyPr/>
-                    <a:lstStyle/>
-                    <a:p>
-                      <a:pPr marL="0" marR="0" indent="0" algn="ctr" defTabSz="914400" rtl="0" eaLnBrk="1" fontAlgn="auto" latinLnBrk="0" hangingPunct="1">
-                        <a:lnSpc>
-                          <a:spcPct val="100000"/>
-                        </a:lnSpc>
-                        <a:spcBef>
-                          <a:spcPts val="0"/>
-                        </a:spcBef>
-                        <a:spcAft>
-                          <a:spcPts val="0"/>
-                        </a:spcAft>
-                        <a:buClrTx/>
-                        <a:buSzTx/>
-                        <a:buFontTx/>
-                        <a:buNone/>
-                        <a:tabLst/>
-                        <a:defRPr/>
-                      </a:pPr>
-                      <a:r>
-                        <a:rPr lang="pt-PT" sz="1800" spc="300" dirty="0">
-                          <a:latin typeface="Affogato Light" panose="00000400000000000000" pitchFamily="50" charset="0"/>
-                        </a:rPr>
-                        <a:t>STATUS</a:t>
-                      </a:r>
-                    </a:p>
-                  </a:txBody>
-                  <a:tcPr anchor="ctr"/>
-                </a:tc>
-                <a:tc>
-                  <a:txBody>
-                    <a:bodyPr/>
-                    <a:lstStyle/>
-                    <a:p>
-                      <a:pPr algn="ctr"/>
-                      <a:r>
-                        <a:rPr lang="pt-PT" dirty="0">
-                          <a:latin typeface="Affogato" panose="00000500000000000000" pitchFamily="50" charset="0"/>
-                        </a:rPr>
-                        <a:t>COMPLETED</a:t>
-                      </a:r>
-                    </a:p>
-                  </a:txBody>
-                  <a:tcPr anchor="ctr"/>
-                </a:tc>
-                <a:tc>
-                  <a:txBody>
-                    <a:bodyPr/>
-                    <a:lstStyle/>
-                    <a:p>
-                      <a:pPr algn="ctr"/>
-                      <a:r>
-                        <a:rPr lang="pt-PT" dirty="0">
-                          <a:latin typeface="Affogato" panose="00000500000000000000" pitchFamily="50" charset="0"/>
-                        </a:rPr>
-                        <a:t>COMPLETED</a:t>
-                      </a:r>
-                    </a:p>
-                  </a:txBody>
-                  <a:tcPr anchor="ctr"/>
-                </a:tc>
-                <a:tc>
-                  <a:txBody>
-                    <a:bodyPr/>
-                    <a:lstStyle/>
-                    <a:p>
-                      <a:pPr algn="ctr"/>
-                      <a:r>
-                        <a:rPr lang="pt-PT" dirty="0">
-                          <a:latin typeface="Affogato" panose="00000500000000000000" pitchFamily="50" charset="0"/>
-                        </a:rPr>
-                        <a:t>COMPLETED</a:t>
-                      </a:r>
-                    </a:p>
-                  </a:txBody>
-                  <a:tcPr anchor="ctr"/>
-                </a:tc>
-                <a:tc>
-                  <a:txBody>
-                    <a:bodyPr/>
-                    <a:lstStyle/>
-                    <a:p>
-                      <a:pPr algn="ctr"/>
-                      <a:r>
-                        <a:rPr lang="pt-PT" dirty="0">
-                          <a:latin typeface="Affogato" panose="00000500000000000000" pitchFamily="50" charset="0"/>
-                        </a:rPr>
-                        <a:t>COMPLETED</a:t>
-                      </a:r>
-                    </a:p>
-                  </a:txBody>
-                  <a:tcPr anchor="ctr"/>
-                </a:tc>
-                <a:extLst>
-                  <a:ext uri="{0D108BD9-81ED-4DB2-BD59-A6C34878D82A}">
-                    <a16:rowId xmlns:a16="http://schemas.microsoft.com/office/drawing/2014/main" val="2527419296"/>
-                  </a:ext>
-                </a:extLst>
-              </a:tr>
-            </a:tbl>
-          </a:graphicData>
-        </a:graphic>
-      </p:graphicFrame>
-      <p:cxnSp>
-        <p:nvCxnSpPr>
-          <p:cNvPr id="4" name="Straight Connector 3"/>
-          <p:cNvCxnSpPr/>
-          <p:nvPr/>
-        </p:nvCxnSpPr>
-        <p:spPr>
-          <a:xfrm>
-            <a:off x="0" y="1055943"/>
-            <a:ext cx="8367623" cy="0"/>
-          </a:xfrm>
-          <a:prstGeom prst="line">
-            <a:avLst/>
-          </a:prstGeom>
-          <a:ln w="28575"/>
-        </p:spPr>
-        <p:style>
-          <a:lnRef idx="1">
-            <a:schemeClr val="dk1"/>
-          </a:lnRef>
-          <a:fillRef idx="0">
-            <a:schemeClr val="dk1"/>
-          </a:fillRef>
-          <a:effectRef idx="0">
-            <a:schemeClr val="dk1"/>
-          </a:effectRef>
-          <a:fontRef idx="minor">
-            <a:schemeClr val="tx1"/>
-          </a:fontRef>
-        </p:style>
-      </p:cxnSp>
-      <p:sp>
-        <p:nvSpPr>
-          <p:cNvPr id="6" name="Title 1"/>
-          <p:cNvSpPr>
-            <a:spLocks noGrp="1"/>
-          </p:cNvSpPr>
-          <p:nvPr>
-            <p:ph type="title"/>
-          </p:nvPr>
-        </p:nvSpPr>
-        <p:spPr>
-          <a:xfrm>
-            <a:off x="8617788" y="365125"/>
-            <a:ext cx="2736011" cy="1325563"/>
-          </a:xfrm>
-        </p:spPr>
-        <p:txBody>
-          <a:bodyPr>
-            <a:normAutofit/>
-          </a:bodyPr>
-          <a:lstStyle/>
-          <a:p>
-            <a:r>
-              <a:rPr lang="pt-PT" sz="5400" dirty="0">
-                <a:latin typeface="Affogato Medium" panose="00000600000000000000" pitchFamily="50" charset="0"/>
-              </a:rPr>
-              <a:t>tasks.</a:t>
-            </a:r>
-          </a:p>
-        </p:txBody>
-      </p:sp>
-    </p:spTree>
-    <p:extLst>
-      <p:ext uri="{BB962C8B-B14F-4D97-AF65-F5344CB8AC3E}">
-        <p14:creationId xmlns:p14="http://schemas.microsoft.com/office/powerpoint/2010/main" val="1392950062"/>
-      </p:ext>
-    </p:extLst>
-  </p:cSld>
-  <p:clrMapOvr>
-    <a:masterClrMapping/>
-  </p:clrMapOvr>
-</p:sld>
-</file>
-
-<file path=ppt/slides/slide5.xml><?xml version="1.0" encoding="utf-8"?>
-<p:sld xmlns:a="http://schemas.openxmlformats.org/drawingml/2006/main" xmlns:r="http://schemas.openxmlformats.org/officeDocument/2006/relationships" xmlns:p="http://schemas.openxmlformats.org/presentationml/2006/main">
-  <p:cSld>
-    <p:spTree>
-      <p:nvGrpSpPr>
-        <p:cNvPr id="1" name=""/>
-        <p:cNvGrpSpPr/>
-        <p:nvPr/>
-      </p:nvGrpSpPr>
-      <p:grpSpPr>
-        <a:xfrm>
-          <a:off x="0" y="0"/>
-          <a:ext cx="0" cy="0"/>
-          <a:chOff x="0" y="0"/>
-          <a:chExt cx="0" cy="0"/>
-        </a:xfrm>
-      </p:grpSpPr>
-      <p:sp>
-        <p:nvSpPr>
-          <p:cNvPr id="8" name="Rectangle 7"/>
-          <p:cNvSpPr/>
-          <p:nvPr/>
-        </p:nvSpPr>
-        <p:spPr>
-          <a:xfrm>
-            <a:off x="8617788" y="1027906"/>
-            <a:ext cx="2173857" cy="352320"/>
-          </a:xfrm>
-          <a:prstGeom prst="rect">
-            <a:avLst/>
-          </a:prstGeom>
-          <a:solidFill>
-            <a:srgbClr val="4DCE59"/>
-          </a:solidFill>
-          <a:ln>
-            <a:noFill/>
-          </a:ln>
-        </p:spPr>
-        <p:style>
-          <a:lnRef idx="2">
-            <a:schemeClr val="accent1">
-              <a:shade val="50000"/>
-            </a:schemeClr>
-          </a:lnRef>
-          <a:fillRef idx="1">
-            <a:schemeClr val="accent1"/>
-          </a:fillRef>
-          <a:effectRef idx="0">
-            <a:schemeClr val="accent1"/>
-          </a:effectRef>
-          <a:fontRef idx="minor">
-            <a:schemeClr val="lt1"/>
-          </a:fontRef>
-        </p:style>
-        <p:txBody>
-          <a:bodyPr rtlCol="0" anchor="ctr"/>
-          <a:lstStyle/>
-          <a:p>
-            <a:pPr algn="ctr"/>
-            <a:endParaRPr lang="pt-PT"/>
-          </a:p>
-        </p:txBody>
-      </p:sp>
-      <p:graphicFrame>
-        <p:nvGraphicFramePr>
-          <p:cNvPr id="7" name="Content Placeholder 6"/>
-          <p:cNvGraphicFramePr>
-            <a:graphicFrameLocks noGrp="1"/>
-          </p:cNvGraphicFramePr>
-          <p:nvPr>
-            <p:ph idx="1"/>
-            <p:extLst>
-              <p:ext uri="{D42A27DB-BD31-4B8C-83A1-F6EECF244321}">
-                <p14:modId xmlns:p14="http://schemas.microsoft.com/office/powerpoint/2010/main" val="3866464000"/>
+                <p14:modId xmlns:p14="http://schemas.microsoft.com/office/powerpoint/2010/main" val="2508149485"/>
               </p:ext>
             </p:extLst>
           </p:nvPr>
@@ -5846,7 +4861,7 @@
                           </a:solidFill>
                           <a:latin typeface="Affogato Light" panose="00000400000000000000" pitchFamily="50" charset="0"/>
                         </a:rPr>
-                        <a:t> #5</a:t>
+                        <a:t> #1</a:t>
                       </a:r>
                       <a:endParaRPr lang="pt-PT" spc="300" dirty="0">
                         <a:solidFill>
@@ -5920,7 +4935,7 @@
                           </a:solidFill>
                           <a:latin typeface="Affogato Light" panose="00000400000000000000" pitchFamily="50" charset="0"/>
                         </a:rPr>
-                        <a:t> #6</a:t>
+                        <a:t> #2</a:t>
                       </a:r>
                       <a:endParaRPr lang="pt-PT" spc="300" dirty="0">
                         <a:solidFill>
@@ -5985,7 +5000,7 @@
                           </a:solidFill>
                           <a:latin typeface="Affogato Light" panose="00000400000000000000" pitchFamily="50" charset="0"/>
                         </a:rPr>
-                        <a:t>TASK #7</a:t>
+                        <a:t>TASK #3</a:t>
                       </a:r>
                     </a:p>
                   </a:txBody>
@@ -6053,7 +5068,7 @@
                           </a:solidFill>
                           <a:latin typeface="Affogato Light" panose="00000400000000000000" pitchFamily="50" charset="0"/>
                         </a:rPr>
-                        <a:t> #8</a:t>
+                        <a:t> #4</a:t>
                       </a:r>
                     </a:p>
                   </a:txBody>
@@ -6117,10 +5132,28 @@
                     <a:p>
                       <a:pPr algn="ctr"/>
                       <a:r>
-                        <a:rPr lang="en-US" dirty="0">
+                        <a:rPr lang="pt-PT" dirty="0">
                           <a:latin typeface="Affogato" panose="00000500000000000000" pitchFamily="50" charset="0"/>
                         </a:rPr>
-                        <a:t>Upgrade the requirements document</a:t>
+                        <a:t>Do </a:t>
+                      </a:r>
+                      <a:r>
+                        <a:rPr lang="pt-PT" dirty="0" err="1">
+                          <a:latin typeface="Affogato" panose="00000500000000000000" pitchFamily="50" charset="0"/>
+                        </a:rPr>
+                        <a:t>gantt</a:t>
+                      </a:r>
+                      <a:r>
+                        <a:rPr lang="pt-PT" dirty="0">
+                          <a:latin typeface="Affogato" panose="00000500000000000000" pitchFamily="50" charset="0"/>
+                        </a:rPr>
+                        <a:t> </a:t>
+                      </a:r>
+                      <a:r>
+                        <a:rPr lang="pt-PT" dirty="0" err="1">
+                          <a:latin typeface="Affogato" panose="00000500000000000000" pitchFamily="50" charset="0"/>
+                        </a:rPr>
+                        <a:t>diagram</a:t>
                       </a:r>
                       <a:endParaRPr lang="pt-PT" dirty="0">
                         <a:latin typeface="Affogato" panose="00000500000000000000" pitchFamily="50" charset="0"/>
@@ -6140,17 +5173,32 @@
                     <a:p>
                       <a:pPr algn="ctr"/>
                       <a:r>
+                        <a:rPr lang="pt-PT" i="0" dirty="0">
+                          <a:latin typeface="Affogato" panose="00000500000000000000" pitchFamily="50" charset="0"/>
+                        </a:rPr>
+                        <a:t>Upgrade </a:t>
+                      </a:r>
+                      <a:r>
                         <a:rPr lang="pt-PT" i="0" dirty="0" err="1">
                           <a:latin typeface="Affogato" panose="00000500000000000000" pitchFamily="50" charset="0"/>
                         </a:rPr>
-                        <a:t>Internal</a:t>
+                        <a:t>the</a:t>
                       </a:r>
                       <a:r>
                         <a:rPr lang="pt-PT" i="0" dirty="0">
                           <a:latin typeface="Affogato" panose="00000500000000000000" pitchFamily="50" charset="0"/>
                         </a:rPr>
-                        <a:t> Meeting Minute</a:t>
-                      </a:r>
+                        <a:t> </a:t>
+                      </a:r>
+                      <a:r>
+                        <a:rPr lang="pt-PT" i="0" dirty="0" err="1">
+                          <a:latin typeface="Affogato" panose="00000500000000000000" pitchFamily="50" charset="0"/>
+                        </a:rPr>
+                        <a:t>Mockups</a:t>
+                      </a:r>
+                      <a:endParaRPr lang="pt-PT" i="0" dirty="0">
+                        <a:latin typeface="Affogato" panose="00000500000000000000" pitchFamily="50" charset="0"/>
+                      </a:endParaRPr>
                     </a:p>
                   </a:txBody>
                   <a:tcPr anchor="ctr">
@@ -6164,25 +5212,32 @@
                     <a:bodyPr/>
                     <a:lstStyle/>
                     <a:p>
-                      <a:pPr algn="ctr"/>
-                      <a:r>
-                        <a:rPr lang="pt-PT" i="0" dirty="0">
+                      <a:pPr marL="0" marR="0" lvl="0" indent="0" algn="ctr" defTabSz="914400" rtl="0" eaLnBrk="1" fontAlgn="auto" latinLnBrk="0" hangingPunct="1">
+                        <a:lnSpc>
+                          <a:spcPct val="100000"/>
+                        </a:lnSpc>
+                        <a:spcBef>
+                          <a:spcPts val="0"/>
+                        </a:spcBef>
+                        <a:spcAft>
+                          <a:spcPts val="0"/>
+                        </a:spcAft>
+                        <a:buClrTx/>
+                        <a:buSzTx/>
+                        <a:buFontTx/>
+                        <a:buNone/>
+                        <a:tabLst/>
+                        <a:defRPr/>
+                      </a:pPr>
+                      <a:r>
+                        <a:rPr lang="en-US" dirty="0">
                           <a:latin typeface="Affogato" panose="00000500000000000000" pitchFamily="50" charset="0"/>
                         </a:rPr>
-                        <a:t>1 Meeting </a:t>
-                      </a:r>
-                      <a:r>
-                        <a:rPr lang="pt-PT" i="0" dirty="0" err="1">
-                          <a:latin typeface="Affogato" panose="00000500000000000000" pitchFamily="50" charset="0"/>
-                        </a:rPr>
-                        <a:t>with</a:t>
-                      </a:r>
-                      <a:r>
-                        <a:rPr lang="pt-PT" i="0" dirty="0">
-                          <a:latin typeface="Affogato" panose="00000500000000000000" pitchFamily="50" charset="0"/>
-                        </a:rPr>
-                        <a:t> cliente Minute</a:t>
-                      </a:r>
+                        <a:t>Upgrade the requirements document</a:t>
+                      </a:r>
+                      <a:endParaRPr lang="pt-PT" dirty="0">
+                        <a:latin typeface="Affogato" panose="00000500000000000000" pitchFamily="50" charset="0"/>
+                      </a:endParaRPr>
                     </a:p>
                   </a:txBody>
                   <a:tcPr anchor="ctr">
@@ -6196,25 +5251,62 @@
                     <a:bodyPr/>
                     <a:lstStyle/>
                     <a:p>
-                      <a:pPr algn="ctr"/>
-                      <a:r>
-                        <a:rPr lang="pt-PT" i="0" dirty="0">
+                      <a:pPr marL="0" marR="0" lvl="0" indent="0" algn="ctr" defTabSz="914400" rtl="0" eaLnBrk="1" fontAlgn="auto" latinLnBrk="0" hangingPunct="1">
+                        <a:lnSpc>
+                          <a:spcPct val="100000"/>
+                        </a:lnSpc>
+                        <a:spcBef>
+                          <a:spcPts val="0"/>
+                        </a:spcBef>
+                        <a:spcAft>
+                          <a:spcPts val="0"/>
+                        </a:spcAft>
+                        <a:buClrTx/>
+                        <a:buSzTx/>
+                        <a:buFontTx/>
+                        <a:buNone/>
+                        <a:tabLst/>
+                        <a:defRPr/>
+                      </a:pPr>
+                      <a:r>
+                        <a:rPr lang="pt-PT" dirty="0">
                           <a:latin typeface="Affogato" panose="00000500000000000000" pitchFamily="50" charset="0"/>
                         </a:rPr>
-                        <a:t>2 Meeting </a:t>
-                      </a:r>
-                      <a:r>
-                        <a:rPr lang="pt-PT" i="0" dirty="0" err="1">
+                        <a:t>Meeting </a:t>
+                      </a:r>
+                      <a:r>
+                        <a:rPr lang="pt-PT" dirty="0" err="1">
                           <a:latin typeface="Affogato" panose="00000500000000000000" pitchFamily="50" charset="0"/>
                         </a:rPr>
                         <a:t>with</a:t>
                       </a:r>
                       <a:r>
-                        <a:rPr lang="pt-PT" i="0" dirty="0">
+                        <a:rPr lang="pt-PT" dirty="0">
                           <a:latin typeface="Affogato" panose="00000500000000000000" pitchFamily="50" charset="0"/>
                         </a:rPr>
-                        <a:t> cliente Minute</a:t>
-                      </a:r>
+                        <a:t> </a:t>
+                      </a:r>
+                      <a:r>
+                        <a:rPr lang="pt-PT" dirty="0" err="1">
+                          <a:latin typeface="Affogato" panose="00000500000000000000" pitchFamily="50" charset="0"/>
+                        </a:rPr>
+                        <a:t>the</a:t>
+                      </a:r>
+                      <a:r>
+                        <a:rPr lang="pt-PT" dirty="0">
+                          <a:latin typeface="Affogato" panose="00000500000000000000" pitchFamily="50" charset="0"/>
+                        </a:rPr>
+                        <a:t> </a:t>
+                      </a:r>
+                      <a:r>
+                        <a:rPr lang="pt-PT" dirty="0" err="1">
+                          <a:latin typeface="Affogato" panose="00000500000000000000" pitchFamily="50" charset="0"/>
+                        </a:rPr>
+                        <a:t>client</a:t>
+                      </a:r>
+                      <a:endParaRPr lang="pt-PT" dirty="0">
+                        <a:latin typeface="Affogato" panose="00000500000000000000" pitchFamily="50" charset="0"/>
+                      </a:endParaRPr>
                     </a:p>
                   </a:txBody>
                   <a:tcPr anchor="ctr">
@@ -6272,7 +5364,7 @@
                         <a:rPr lang="pt-PT" dirty="0">
                           <a:latin typeface="Affogato" panose="00000500000000000000" pitchFamily="50" charset="0"/>
                         </a:rPr>
-                        <a:t>Paulo</a:t>
+                        <a:t>Emanuel, Paulo, Marco</a:t>
                       </a:r>
                     </a:p>
                   </a:txBody>
@@ -6288,7 +5380,7 @@
                         <a:rPr lang="pt-PT" dirty="0">
                           <a:latin typeface="Affogato" panose="00000500000000000000" pitchFamily="50" charset="0"/>
                         </a:rPr>
-                        <a:t>Marco</a:t>
+                        <a:t>Nuno</a:t>
                       </a:r>
                     </a:p>
                   </a:txBody>
@@ -6304,7 +5396,7 @@
                         <a:rPr lang="pt-PT" dirty="0">
                           <a:latin typeface="Affogato" panose="00000500000000000000" pitchFamily="50" charset="0"/>
                         </a:rPr>
-                        <a:t>Alexandre</a:t>
+                        <a:t>Emanuel, Paulo, Marco</a:t>
                       </a:r>
                     </a:p>
                   </a:txBody>
@@ -6320,7 +5412,7 @@
                         <a:rPr lang="pt-PT" dirty="0">
                           <a:latin typeface="Affogato" panose="00000500000000000000" pitchFamily="50" charset="0"/>
                         </a:rPr>
-                        <a:t>Emanuel</a:t>
+                        <a:t>Emanuel, Paulo</a:t>
                       </a:r>
                     </a:p>
                   </a:txBody>
@@ -6416,7 +5508,7 @@
                         <a:rPr lang="pt-PT" dirty="0">
                           <a:latin typeface="Affogato" panose="00000500000000000000" pitchFamily="50" charset="0"/>
                         </a:rPr>
-                        <a:t>0 H 30</a:t>
+                        <a:t>2 H 30</a:t>
                       </a:r>
                     </a:p>
                   </a:txBody>
@@ -6432,7 +5524,7 @@
                         <a:rPr lang="pt-PT" dirty="0">
                           <a:latin typeface="Affogato" panose="00000500000000000000" pitchFamily="50" charset="0"/>
                         </a:rPr>
-                        <a:t>0 H 30</a:t>
+                        <a:t>1 H</a:t>
                       </a:r>
                     </a:p>
                   </a:txBody>
@@ -6448,7 +5540,7 @@
                         <a:rPr lang="pt-PT" dirty="0">
                           <a:latin typeface="Affogato" panose="00000500000000000000" pitchFamily="50" charset="0"/>
                         </a:rPr>
-                        <a:t>0 H 30</a:t>
+                        <a:t>1 H 00</a:t>
                       </a:r>
                     </a:p>
                   </a:txBody>
@@ -6506,7 +5598,7 @@
                         <a:rPr lang="pt-PT" dirty="0">
                           <a:latin typeface="Affogato" panose="00000500000000000000" pitchFamily="50" charset="0"/>
                         </a:rPr>
-                        <a:t>-</a:t>
+                        <a:t>1 H 10 </a:t>
                       </a:r>
                     </a:p>
                   </a:txBody>
@@ -6522,7 +5614,7 @@
                         <a:rPr lang="pt-PT" dirty="0">
                           <a:latin typeface="Affogato" panose="00000500000000000000" pitchFamily="50" charset="0"/>
                         </a:rPr>
-                        <a:t>0 H 45</a:t>
+                        <a:t>-</a:t>
                       </a:r>
                     </a:p>
                   </a:txBody>
@@ -6538,7 +5630,7 @@
                         <a:rPr lang="pt-PT" dirty="0">
                           <a:latin typeface="Affogato" panose="00000500000000000000" pitchFamily="50" charset="0"/>
                         </a:rPr>
-                        <a:t>-</a:t>
+                        <a:t>1 H 30</a:t>
                       </a:r>
                     </a:p>
                   </a:txBody>
@@ -6554,7 +5646,7 @@
                         <a:rPr lang="pt-PT" dirty="0">
                           <a:latin typeface="Affogato" panose="00000500000000000000" pitchFamily="50" charset="0"/>
                         </a:rPr>
-                        <a:t>-</a:t>
+                        <a:t>0 H 35</a:t>
                       </a:r>
                     </a:p>
                   </a:txBody>
@@ -6609,7 +5701,7 @@
                         <a:rPr lang="pt-PT" dirty="0">
                           <a:latin typeface="Affogato" panose="00000500000000000000" pitchFamily="50" charset="0"/>
                         </a:rPr>
-                        <a:t>IN PROGRESS</a:t>
+                        <a:t>COMPLETED</a:t>
                       </a:r>
                     </a:p>
                   </a:txBody>
@@ -6625,7 +5717,7 @@
                         <a:rPr lang="pt-PT" dirty="0">
                           <a:latin typeface="Affogato" panose="00000500000000000000" pitchFamily="50" charset="0"/>
                         </a:rPr>
-                        <a:t>COMPLETED</a:t>
+                        <a:t>IN PROGRESS</a:t>
                       </a:r>
                     </a:p>
                   </a:txBody>
@@ -6641,7 +5733,7 @@
                         <a:rPr lang="pt-PT" dirty="0">
                           <a:latin typeface="Affogato" panose="00000500000000000000" pitchFamily="50" charset="0"/>
                         </a:rPr>
-                        <a:t>IN PROGRESS</a:t>
+                        <a:t>COMPLETED</a:t>
                       </a:r>
                     </a:p>
                   </a:txBody>
@@ -6657,7 +5749,7 @@
                         <a:rPr lang="pt-PT" dirty="0">
                           <a:latin typeface="Affogato" panose="00000500000000000000" pitchFamily="50" charset="0"/>
                         </a:rPr>
-                        <a:t>IN PROGRESS</a:t>
+                        <a:t>COMPLETED</a:t>
                       </a:r>
                     </a:p>
                   </a:txBody>
@@ -6738,7 +5830,7 @@
     </p:spTree>
     <p:extLst>
       <p:ext uri="{BB962C8B-B14F-4D97-AF65-F5344CB8AC3E}">
-        <p14:creationId xmlns:p14="http://schemas.microsoft.com/office/powerpoint/2010/main" val="1299759891"/>
+        <p14:creationId xmlns:p14="http://schemas.microsoft.com/office/powerpoint/2010/main" val="1392950062"/>
       </p:ext>
     </p:extLst>
   </p:cSld>
@@ -6748,7 +5840,7 @@
 </p:sld>
 </file>
 
-<file path=ppt/slides/slide6.xml><?xml version="1.0" encoding="utf-8"?>
+<file path=ppt/slides/slide5.xml><?xml version="1.0" encoding="utf-8"?>
 <p:sld xmlns:a="http://schemas.openxmlformats.org/drawingml/2006/main" xmlns:r="http://schemas.openxmlformats.org/officeDocument/2006/relationships" xmlns:p="http://schemas.openxmlformats.org/presentationml/2006/main">
   <p:cSld>
     <p:spTree>
@@ -6773,8 +5865,8 @@
         </p:nvSpPr>
         <p:spPr>
           <a:xfrm>
-            <a:off x="6435306" y="1043795"/>
-            <a:ext cx="4605945" cy="431321"/>
+            <a:off x="8617788" y="1027906"/>
+            <a:ext cx="2173857" cy="352320"/>
           </a:xfrm>
           <a:prstGeom prst="rect">
             <a:avLst/>
@@ -6821,14 +5913,14 @@
             <p:ph idx="1"/>
             <p:extLst>
               <p:ext uri="{D42A27DB-BD31-4B8C-83A1-F6EECF244321}">
-                <p14:modId xmlns:p14="http://schemas.microsoft.com/office/powerpoint/2010/main" val="2376256903"/>
+                <p14:modId xmlns:p14="http://schemas.microsoft.com/office/powerpoint/2010/main" val="3542537275"/>
               </p:ext>
             </p:extLst>
           </p:nvPr>
         </p:nvGraphicFramePr>
         <p:xfrm>
           <a:off x="1258998" y="1825625"/>
-          <a:ext cx="9674004" cy="3715073"/>
+          <a:ext cx="9674003" cy="4594165"/>
         </p:xfrm>
         <a:graphic>
           <a:graphicData uri="http://schemas.openxmlformats.org/drawingml/2006/table">
@@ -6837,28 +5929,35 @@
                 <a:tableStyleId>{93296810-A885-4BE3-A3E7-6D5BEEA58F35}</a:tableStyleId>
               </a:tblPr>
               <a:tblGrid>
-                <a:gridCol w="1145875">
+                <a:gridCol w="1452397">
                   <a:extLst>
                     <a:ext uri="{9D8B030D-6E8A-4147-A177-3AD203B41FA5}">
                       <a16:colId xmlns:a16="http://schemas.microsoft.com/office/drawing/2014/main" val="3839103568"/>
                     </a:ext>
                   </a:extLst>
                 </a:gridCol>
-                <a:gridCol w="2594694">
+                <a:gridCol w="2146852">
                   <a:extLst>
                     <a:ext uri="{9D8B030D-6E8A-4147-A177-3AD203B41FA5}">
                       <a16:colId xmlns:a16="http://schemas.microsoft.com/office/drawing/2014/main" val="187051537"/>
                     </a:ext>
                   </a:extLst>
                 </a:gridCol>
-                <a:gridCol w="3111500">
+                <a:gridCol w="1924216">
                   <a:extLst>
                     <a:ext uri="{9D8B030D-6E8A-4147-A177-3AD203B41FA5}">
                       <a16:colId xmlns:a16="http://schemas.microsoft.com/office/drawing/2014/main" val="2025017854"/>
                     </a:ext>
                   </a:extLst>
                 </a:gridCol>
-                <a:gridCol w="2821935">
+                <a:gridCol w="1956020">
+                  <a:extLst>
+                    <a:ext uri="{9D8B030D-6E8A-4147-A177-3AD203B41FA5}">
+                      <a16:colId xmlns:a16="http://schemas.microsoft.com/office/drawing/2014/main" val="3101291510"/>
+                    </a:ext>
+                  </a:extLst>
+                </a:gridCol>
+                <a:gridCol w="2194518">
                   <a:extLst>
                     <a:ext uri="{9D8B030D-6E8A-4147-A177-3AD203B41FA5}">
                       <a16:colId xmlns:a16="http://schemas.microsoft.com/office/drawing/2014/main" val="3695970854"/>
@@ -6923,7 +6022,7 @@
                           </a:solidFill>
                           <a:latin typeface="Affogato Light" panose="00000400000000000000" pitchFamily="50" charset="0"/>
                         </a:rPr>
-                        <a:t> #1</a:t>
+                        <a:t> #5</a:t>
                       </a:r>
                       <a:endParaRPr lang="pt-PT" spc="300" dirty="0">
                         <a:solidFill>
@@ -6997,7 +6096,7 @@
                           </a:solidFill>
                           <a:latin typeface="Affogato Light" panose="00000400000000000000" pitchFamily="50" charset="0"/>
                         </a:rPr>
-                        <a:t> #2</a:t>
+                        <a:t> #6</a:t>
                       </a:r>
                       <a:endParaRPr lang="pt-PT" spc="300" dirty="0">
                         <a:solidFill>
@@ -7062,23 +6161,8 @@
                           </a:solidFill>
                           <a:latin typeface="Affogato Light" panose="00000400000000000000" pitchFamily="50" charset="0"/>
                         </a:rPr>
-                        <a:t>TASK</a:t>
-                      </a:r>
-                      <a:r>
-                        <a:rPr lang="pt-PT" spc="300" baseline="0" dirty="0">
-                          <a:solidFill>
-                            <a:schemeClr val="bg1"/>
-                          </a:solidFill>
-                          <a:latin typeface="Affogato Light" panose="00000400000000000000" pitchFamily="50" charset="0"/>
-                        </a:rPr>
-                        <a:t> #3</a:t>
-                      </a:r>
-                      <a:endParaRPr lang="pt-PT" spc="300" dirty="0">
-                        <a:solidFill>
-                          <a:schemeClr val="bg1"/>
-                        </a:solidFill>
-                        <a:latin typeface="Affogato Light" panose="00000400000000000000" pitchFamily="50" charset="0"/>
-                      </a:endParaRPr>
+                        <a:t>TASK #7</a:t>
+                      </a:r>
                     </a:p>
                   </a:txBody>
                   <a:tcPr anchor="ctr">
@@ -7107,206 +6191,6 @@
                     </a:solidFill>
                   </a:tcPr>
                 </a:tc>
-                <a:extLst>
-                  <a:ext uri="{0D108BD9-81ED-4DB2-BD59-A6C34878D82A}">
-                    <a16:rowId xmlns:a16="http://schemas.microsoft.com/office/drawing/2014/main" val="3610859294"/>
-                  </a:ext>
-                </a:extLst>
-              </a:tr>
-              <a:tr h="811518">
-                <a:tc>
-                  <a:txBody>
-                    <a:bodyPr/>
-                    <a:lstStyle/>
-                    <a:p>
-                      <a:pPr algn="ctr"/>
-                      <a:r>
-                        <a:rPr lang="pt-PT" spc="300" dirty="0">
-                          <a:latin typeface="Affogato Light" panose="00000400000000000000" pitchFamily="50" charset="0"/>
-                        </a:rPr>
-                        <a:t>TASK</a:t>
-                      </a:r>
-                    </a:p>
-                  </a:txBody>
-                  <a:tcPr anchor="ctr">
-                    <a:lnT w="38100" cmpd="sng">
-                      <a:noFill/>
-                    </a:lnT>
-                  </a:tcPr>
-                </a:tc>
-                <a:tc>
-                  <a:txBody>
-                    <a:bodyPr/>
-                    <a:lstStyle/>
-                    <a:p>
-                      <a:pPr algn="ctr"/>
-                      <a:r>
-                        <a:rPr lang="pt-PT" dirty="0" err="1">
-                          <a:latin typeface="Affogato" panose="00000500000000000000" pitchFamily="50" charset="0"/>
-                        </a:rPr>
-                        <a:t>Finish</a:t>
-                      </a:r>
-                      <a:r>
-                        <a:rPr lang="pt-PT" dirty="0">
-                          <a:latin typeface="Affogato" panose="00000500000000000000" pitchFamily="50" charset="0"/>
-                        </a:rPr>
-                        <a:t> </a:t>
-                      </a:r>
-                    </a:p>
-                    <a:p>
-                      <a:pPr algn="ctr"/>
-                      <a:r>
-                        <a:rPr lang="pt-PT" dirty="0" err="1">
-                          <a:latin typeface="Affogato" panose="00000500000000000000" pitchFamily="50" charset="0"/>
-                        </a:rPr>
-                        <a:t>Mockups</a:t>
-                      </a:r>
-                      <a:endParaRPr lang="pt-PT" dirty="0">
-                        <a:latin typeface="Affogato" panose="00000500000000000000" pitchFamily="50" charset="0"/>
-                      </a:endParaRPr>
-                    </a:p>
-                  </a:txBody>
-                  <a:tcPr anchor="ctr">
-                    <a:lnT w="38100" cmpd="sng">
-                      <a:noFill/>
-                    </a:lnT>
-                  </a:tcPr>
-                </a:tc>
-                <a:tc>
-                  <a:txBody>
-                    <a:bodyPr/>
-                    <a:lstStyle/>
-                    <a:p>
-                      <a:pPr marL="0" marR="0" lvl="0" indent="0" algn="ctr" defTabSz="914400" rtl="0" eaLnBrk="1" fontAlgn="auto" latinLnBrk="0" hangingPunct="1">
-                        <a:lnSpc>
-                          <a:spcPct val="100000"/>
-                        </a:lnSpc>
-                        <a:spcBef>
-                          <a:spcPts val="0"/>
-                        </a:spcBef>
-                        <a:spcAft>
-                          <a:spcPts val="0"/>
-                        </a:spcAft>
-                        <a:buClrTx/>
-                        <a:buSzTx/>
-                        <a:buFontTx/>
-                        <a:buNone/>
-                        <a:tabLst/>
-                        <a:defRPr/>
-                      </a:pPr>
-                      <a:r>
-                        <a:rPr lang="pt-PT" i="0" dirty="0">
-                          <a:latin typeface="Affogato" panose="00000500000000000000" pitchFamily="50" charset="0"/>
-                        </a:rPr>
-                        <a:t>Meeting </a:t>
-                      </a:r>
-                      <a:r>
-                        <a:rPr lang="pt-PT" i="0" dirty="0" err="1">
-                          <a:latin typeface="Affogato" panose="00000500000000000000" pitchFamily="50" charset="0"/>
-                        </a:rPr>
-                        <a:t>with</a:t>
-                      </a:r>
-                      <a:r>
-                        <a:rPr lang="pt-PT" i="0" dirty="0">
-                          <a:latin typeface="Affogato" panose="00000500000000000000" pitchFamily="50" charset="0"/>
-                        </a:rPr>
-                        <a:t> </a:t>
-                      </a:r>
-                      <a:r>
-                        <a:rPr lang="pt-PT" i="0" dirty="0" err="1">
-                          <a:latin typeface="Affogato" panose="00000500000000000000" pitchFamily="50" charset="0"/>
-                        </a:rPr>
-                        <a:t>the</a:t>
-                      </a:r>
-                      <a:r>
-                        <a:rPr lang="pt-PT" i="0" dirty="0">
-                          <a:latin typeface="Affogato" panose="00000500000000000000" pitchFamily="50" charset="0"/>
-                        </a:rPr>
-                        <a:t> </a:t>
-                      </a:r>
-                      <a:r>
-                        <a:rPr lang="pt-PT" i="0" dirty="0" err="1">
-                          <a:latin typeface="Affogato" panose="00000500000000000000" pitchFamily="50" charset="0"/>
-                        </a:rPr>
-                        <a:t>client</a:t>
-                      </a:r>
-                      <a:endParaRPr lang="pt-PT" dirty="0">
-                        <a:latin typeface="Affogato" panose="00000500000000000000" pitchFamily="50" charset="0"/>
-                      </a:endParaRPr>
-                    </a:p>
-                  </a:txBody>
-                  <a:tcPr anchor="ctr">
-                    <a:lnT w="38100" cmpd="sng">
-                      <a:noFill/>
-                    </a:lnT>
-                  </a:tcPr>
-                </a:tc>
-                <a:tc>
-                  <a:txBody>
-                    <a:bodyPr/>
-                    <a:lstStyle/>
-                    <a:p>
-                      <a:pPr algn="ctr"/>
-                      <a:r>
-                        <a:rPr lang="pt-PT" dirty="0" err="1">
-                          <a:latin typeface="Affogato" panose="00000500000000000000" pitchFamily="50" charset="0"/>
-                        </a:rPr>
-                        <a:t>Making</a:t>
-                      </a:r>
-                      <a:r>
-                        <a:rPr lang="pt-PT" dirty="0">
-                          <a:latin typeface="Affogato" panose="00000500000000000000" pitchFamily="50" charset="0"/>
-                        </a:rPr>
-                        <a:t> </a:t>
-                      </a:r>
-                      <a:r>
-                        <a:rPr lang="pt-PT" dirty="0" err="1">
-                          <a:latin typeface="Affogato" panose="00000500000000000000" pitchFamily="50" charset="0"/>
-                        </a:rPr>
-                        <a:t>of</a:t>
-                      </a:r>
-                      <a:r>
-                        <a:rPr lang="pt-PT" dirty="0">
-                          <a:latin typeface="Affogato" panose="00000500000000000000" pitchFamily="50" charset="0"/>
-                        </a:rPr>
-                        <a:t> </a:t>
-                      </a:r>
-                      <a:r>
-                        <a:rPr lang="pt-PT" dirty="0" err="1">
-                          <a:latin typeface="Affogato" panose="00000500000000000000" pitchFamily="50" charset="0"/>
-                        </a:rPr>
-                        <a:t>requirement</a:t>
-                      </a:r>
-                      <a:r>
-                        <a:rPr lang="pt-PT" dirty="0">
-                          <a:latin typeface="Affogato" panose="00000500000000000000" pitchFamily="50" charset="0"/>
-                        </a:rPr>
-                        <a:t> </a:t>
-                      </a:r>
-                      <a:r>
-                        <a:rPr lang="pt-PT" dirty="0" err="1">
-                          <a:latin typeface="Affogato" panose="00000500000000000000" pitchFamily="50" charset="0"/>
-                        </a:rPr>
-                        <a:t>document</a:t>
-                      </a:r>
-                      <a:endParaRPr lang="pt-PT" dirty="0">
-                        <a:latin typeface="Affogato" panose="00000500000000000000" pitchFamily="50" charset="0"/>
-                      </a:endParaRPr>
-                    </a:p>
-                  </a:txBody>
-                  <a:tcPr anchor="ctr">
-                    <a:lnT w="38100" cmpd="sng">
-                      <a:noFill/>
-                    </a:lnT>
-                  </a:tcPr>
-                </a:tc>
-                <a:extLst>
-                  <a:ext uri="{0D108BD9-81ED-4DB2-BD59-A6C34878D82A}">
-                    <a16:rowId xmlns:a16="http://schemas.microsoft.com/office/drawing/2014/main" val="641888722"/>
-                  </a:ext>
-                </a:extLst>
-              </a:tr>
-              <a:tr h="811518">
                 <a:tc>
                   <a:txBody>
                     <a:bodyPr/>
@@ -7330,6 +6214,224 @@
                         <a:defRPr/>
                       </a:pPr>
                       <a:r>
+                        <a:rPr lang="pt-PT" spc="300" dirty="0">
+                          <a:solidFill>
+                            <a:schemeClr val="bg1"/>
+                          </a:solidFill>
+                          <a:latin typeface="Affogato Light" panose="00000400000000000000" pitchFamily="50" charset="0"/>
+                        </a:rPr>
+                        <a:t>TASK</a:t>
+                      </a:r>
+                      <a:r>
+                        <a:rPr lang="pt-PT" spc="300" baseline="0" dirty="0">
+                          <a:solidFill>
+                            <a:schemeClr val="bg1"/>
+                          </a:solidFill>
+                          <a:latin typeface="Affogato Light" panose="00000400000000000000" pitchFamily="50" charset="0"/>
+                        </a:rPr>
+                        <a:t> #8</a:t>
+                      </a:r>
+                    </a:p>
+                  </a:txBody>
+                  <a:tcPr anchor="ctr">
+                    <a:lnL w="12700" cmpd="sng">
+                      <a:noFill/>
+                    </a:lnL>
+                    <a:lnR w="12700" cmpd="sng">
+                      <a:noFill/>
+                    </a:lnR>
+                    <a:lnT w="12700" cmpd="sng">
+                      <a:noFill/>
+                    </a:lnT>
+                    <a:lnB w="38100" cmpd="sng">
+                      <a:noFill/>
+                    </a:lnB>
+                    <a:lnTlToBr w="12700" cmpd="sng">
+                      <a:noFill/>
+                      <a:prstDash val="solid"/>
+                    </a:lnTlToBr>
+                    <a:lnBlToTr w="12700" cmpd="sng">
+                      <a:noFill/>
+                      <a:prstDash val="solid"/>
+                    </a:lnBlToTr>
+                    <a:solidFill>
+                      <a:srgbClr val="009245"/>
+                    </a:solidFill>
+                  </a:tcPr>
+                </a:tc>
+                <a:extLst>
+                  <a:ext uri="{0D108BD9-81ED-4DB2-BD59-A6C34878D82A}">
+                    <a16:rowId xmlns:a16="http://schemas.microsoft.com/office/drawing/2014/main" val="3610859294"/>
+                  </a:ext>
+                </a:extLst>
+              </a:tr>
+              <a:tr h="811518">
+                <a:tc>
+                  <a:txBody>
+                    <a:bodyPr/>
+                    <a:lstStyle/>
+                    <a:p>
+                      <a:pPr algn="ctr"/>
+                      <a:r>
+                        <a:rPr lang="pt-PT" spc="300" dirty="0">
+                          <a:latin typeface="Affogato Light" panose="00000400000000000000" pitchFamily="50" charset="0"/>
+                        </a:rPr>
+                        <a:t>TASK</a:t>
+                      </a:r>
+                    </a:p>
+                  </a:txBody>
+                  <a:tcPr anchor="ctr">
+                    <a:lnT w="38100" cmpd="sng">
+                      <a:noFill/>
+                    </a:lnT>
+                  </a:tcPr>
+                </a:tc>
+                <a:tc>
+                  <a:txBody>
+                    <a:bodyPr/>
+                    <a:lstStyle/>
+                    <a:p>
+                      <a:pPr algn="ctr"/>
+                      <a:r>
+                        <a:rPr lang="en-US" dirty="0">
+                          <a:latin typeface="Affogato" panose="00000500000000000000" pitchFamily="50" charset="0"/>
+                        </a:rPr>
+                        <a:t>Internal Meeting</a:t>
+                      </a:r>
+                      <a:endParaRPr lang="pt-PT" dirty="0">
+                        <a:latin typeface="Affogato" panose="00000500000000000000" pitchFamily="50" charset="0"/>
+                      </a:endParaRPr>
+                    </a:p>
+                  </a:txBody>
+                  <a:tcPr anchor="ctr">
+                    <a:lnT w="38100" cmpd="sng">
+                      <a:noFill/>
+                    </a:lnT>
+                  </a:tcPr>
+                </a:tc>
+                <a:tc>
+                  <a:txBody>
+                    <a:bodyPr/>
+                    <a:lstStyle/>
+                    <a:p>
+                      <a:pPr algn="ctr"/>
+                      <a:r>
+                        <a:rPr lang="pt-PT" i="0" dirty="0" err="1">
+                          <a:latin typeface="Affogato" panose="00000500000000000000" pitchFamily="50" charset="0"/>
+                        </a:rPr>
+                        <a:t>Internal</a:t>
+                      </a:r>
+                      <a:r>
+                        <a:rPr lang="pt-PT" i="0" dirty="0">
+                          <a:latin typeface="Affogato" panose="00000500000000000000" pitchFamily="50" charset="0"/>
+                        </a:rPr>
+                        <a:t> Meeting Minute</a:t>
+                      </a:r>
+                    </a:p>
+                  </a:txBody>
+                  <a:tcPr anchor="ctr">
+                    <a:lnT w="38100" cmpd="sng">
+                      <a:noFill/>
+                    </a:lnT>
+                  </a:tcPr>
+                </a:tc>
+                <a:tc>
+                  <a:txBody>
+                    <a:bodyPr/>
+                    <a:lstStyle/>
+                    <a:p>
+                      <a:pPr algn="ctr"/>
+                      <a:r>
+                        <a:rPr lang="pt-PT" i="0" dirty="0">
+                          <a:latin typeface="Affogato" panose="00000500000000000000" pitchFamily="50" charset="0"/>
+                        </a:rPr>
+                        <a:t>Meeting </a:t>
+                      </a:r>
+                      <a:r>
+                        <a:rPr lang="pt-PT" i="0" dirty="0" err="1">
+                          <a:latin typeface="Affogato" panose="00000500000000000000" pitchFamily="50" charset="0"/>
+                        </a:rPr>
+                        <a:t>with</a:t>
+                      </a:r>
+                      <a:r>
+                        <a:rPr lang="pt-PT" i="0" dirty="0">
+                          <a:latin typeface="Affogato" panose="00000500000000000000" pitchFamily="50" charset="0"/>
+                        </a:rPr>
+                        <a:t> cliente Minute</a:t>
+                      </a:r>
+                    </a:p>
+                  </a:txBody>
+                  <a:tcPr anchor="ctr">
+                    <a:lnT w="38100" cmpd="sng">
+                      <a:noFill/>
+                    </a:lnT>
+                  </a:tcPr>
+                </a:tc>
+                <a:tc>
+                  <a:txBody>
+                    <a:bodyPr/>
+                    <a:lstStyle/>
+                    <a:p>
+                      <a:pPr algn="ctr"/>
+                      <a:r>
+                        <a:rPr lang="pt-PT" i="0" dirty="0" err="1">
+                          <a:latin typeface="Affogato" panose="00000500000000000000" pitchFamily="50" charset="0"/>
+                        </a:rPr>
+                        <a:t>Weekly</a:t>
+                      </a:r>
+                      <a:r>
+                        <a:rPr lang="pt-PT" i="0" dirty="0">
+                          <a:latin typeface="Affogato" panose="00000500000000000000" pitchFamily="50" charset="0"/>
+                        </a:rPr>
+                        <a:t> </a:t>
+                      </a:r>
+                      <a:r>
+                        <a:rPr lang="pt-PT" i="0" dirty="0" err="1">
+                          <a:latin typeface="Affogato" panose="00000500000000000000" pitchFamily="50" charset="0"/>
+                        </a:rPr>
+                        <a:t>presentation</a:t>
+                      </a:r>
+                      <a:endParaRPr lang="pt-PT" i="0" dirty="0">
+                        <a:latin typeface="Affogato" panose="00000500000000000000" pitchFamily="50" charset="0"/>
+                      </a:endParaRPr>
+                    </a:p>
+                  </a:txBody>
+                  <a:tcPr anchor="ctr">
+                    <a:lnT w="38100" cmpd="sng">
+                      <a:noFill/>
+                    </a:lnT>
+                  </a:tcPr>
+                </a:tc>
+                <a:extLst>
+                  <a:ext uri="{0D108BD9-81ED-4DB2-BD59-A6C34878D82A}">
+                    <a16:rowId xmlns:a16="http://schemas.microsoft.com/office/drawing/2014/main" val="641888722"/>
+                  </a:ext>
+                </a:extLst>
+              </a:tr>
+              <a:tr h="879092">
+                <a:tc>
+                  <a:txBody>
+                    <a:bodyPr/>
+                    <a:lstStyle/>
+                    <a:p>
+                      <a:pPr marL="0" marR="0" indent="0" algn="ctr" defTabSz="914400" rtl="0" eaLnBrk="1" fontAlgn="auto" latinLnBrk="0" hangingPunct="1">
+                        <a:lnSpc>
+                          <a:spcPct val="100000"/>
+                        </a:lnSpc>
+                        <a:spcBef>
+                          <a:spcPts val="0"/>
+                        </a:spcBef>
+                        <a:spcAft>
+                          <a:spcPts val="0"/>
+                        </a:spcAft>
+                        <a:buClrTx/>
+                        <a:buSzTx/>
+                        <a:buFontTx/>
+                        <a:buNone/>
+                        <a:tabLst/>
+                        <a:defRPr/>
+                      </a:pPr>
+                      <a:r>
                         <a:rPr lang="pt-PT" sz="1800" spc="300" dirty="0">
                           <a:latin typeface="Affogato Light" panose="00000400000000000000" pitchFamily="50" charset="0"/>
                         </a:rPr>
@@ -7349,7 +6451,7 @@
                         <a:rPr lang="pt-PT" dirty="0">
                           <a:latin typeface="Affogato" panose="00000500000000000000" pitchFamily="50" charset="0"/>
                         </a:rPr>
-                        <a:t>Team</a:t>
+                        <a:t>Emanuel, Marco, Paulo</a:t>
                       </a:r>
                     </a:p>
                   </a:txBody>
@@ -7365,7 +6467,7 @@
                         <a:rPr lang="pt-PT" dirty="0">
                           <a:latin typeface="Affogato" panose="00000500000000000000" pitchFamily="50" charset="0"/>
                         </a:rPr>
-                        <a:t>Team</a:t>
+                        <a:t>Paulo Sousa</a:t>
                       </a:r>
                     </a:p>
                   </a:txBody>
@@ -7381,7 +6483,23 @@
                         <a:rPr lang="pt-PT" dirty="0">
                           <a:latin typeface="Affogato" panose="00000500000000000000" pitchFamily="50" charset="0"/>
                         </a:rPr>
-                        <a:t>Team</a:t>
+                        <a:t>Emanuel</a:t>
+                      </a:r>
+                    </a:p>
+                  </a:txBody>
+                  <a:tcPr anchor="ctr"/>
+                </a:tc>
+                <a:tc>
+                  <a:txBody>
+                    <a:bodyPr/>
+                    <a:lstStyle/>
+                    <a:p>
+                      <a:pPr algn="ctr"/>
+                      <a:r>
+                        <a:rPr lang="pt-PT" dirty="0">
+                          <a:latin typeface="Affogato" panose="00000500000000000000" pitchFamily="50" charset="0"/>
+                        </a:rPr>
+                        <a:t>Marco</a:t>
                       </a:r>
                     </a:p>
                   </a:txBody>
@@ -7461,7 +6579,7 @@
                         <a:rPr lang="pt-PT" dirty="0">
                           <a:latin typeface="Affogato" panose="00000500000000000000" pitchFamily="50" charset="0"/>
                         </a:rPr>
-                        <a:t>4 H</a:t>
+                        <a:t>1 H</a:t>
                       </a:r>
                     </a:p>
                   </a:txBody>
@@ -7477,7 +6595,7 @@
                         <a:rPr lang="pt-PT" dirty="0">
                           <a:latin typeface="Affogato" panose="00000500000000000000" pitchFamily="50" charset="0"/>
                         </a:rPr>
-                        <a:t>1 H</a:t>
+                        <a:t>0 H 30</a:t>
                       </a:r>
                     </a:p>
                   </a:txBody>
@@ -7493,7 +6611,23 @@
                         <a:rPr lang="pt-PT" dirty="0">
                           <a:latin typeface="Affogato" panose="00000500000000000000" pitchFamily="50" charset="0"/>
                         </a:rPr>
-                        <a:t>8 H</a:t>
+                        <a:t>0 H 30</a:t>
+                      </a:r>
+                    </a:p>
+                  </a:txBody>
+                  <a:tcPr anchor="ctr"/>
+                </a:tc>
+                <a:tc>
+                  <a:txBody>
+                    <a:bodyPr/>
+                    <a:lstStyle/>
+                    <a:p>
+                      <a:pPr algn="ctr"/>
+                      <a:r>
+                        <a:rPr lang="pt-PT" dirty="0">
+                          <a:latin typeface="Affogato" panose="00000500000000000000" pitchFamily="50" charset="0"/>
+                        </a:rPr>
+                        <a:t>0 H 30</a:t>
                       </a:r>
                     </a:p>
                   </a:txBody>
@@ -7529,11 +6663,14 @@
                         <a:defRPr/>
                       </a:pPr>
                       <a:r>
-                        <a:rPr lang="pt-PT" sz="1800" spc="300" dirty="0">
+                        <a:rPr lang="pt-PT" sz="1100" spc="300" dirty="0">
                           <a:latin typeface="Affogato Light" panose="00000400000000000000" pitchFamily="50" charset="0"/>
                         </a:rPr>
-                        <a:t>STATUS</a:t>
-                      </a:r>
+                        <a:t> EFFECTIVE EFFORT</a:t>
+                      </a:r>
+                      <a:endParaRPr lang="pt-PT" sz="1800" spc="300" dirty="0">
+                        <a:latin typeface="Affogato Light" panose="00000400000000000000" pitchFamily="50" charset="0"/>
+                      </a:endParaRPr>
                     </a:p>
                   </a:txBody>
                   <a:tcPr anchor="ctr"/>
@@ -7548,7 +6685,7 @@
                         <a:rPr lang="pt-PT" dirty="0">
                           <a:latin typeface="Affogato" panose="00000500000000000000" pitchFamily="50" charset="0"/>
                         </a:rPr>
-                        <a:t>IN PROGRESS</a:t>
+                        <a:t>1 H 15</a:t>
                       </a:r>
                     </a:p>
                   </a:txBody>
@@ -7564,7 +6701,7 @@
                         <a:rPr lang="pt-PT" dirty="0">
                           <a:latin typeface="Affogato" panose="00000500000000000000" pitchFamily="50" charset="0"/>
                         </a:rPr>
-                        <a:t>IN PROGRESS</a:t>
+                        <a:t>0 H 45</a:t>
                       </a:r>
                     </a:p>
                   </a:txBody>
@@ -7580,7 +6717,837 @@
                         <a:rPr lang="pt-PT" dirty="0">
                           <a:latin typeface="Affogato" panose="00000500000000000000" pitchFamily="50" charset="0"/>
                         </a:rPr>
-                        <a:t>IN PROGRESS</a:t>
+                        <a:t>0 H 35</a:t>
+                      </a:r>
+                    </a:p>
+                  </a:txBody>
+                  <a:tcPr anchor="ctr"/>
+                </a:tc>
+                <a:tc>
+                  <a:txBody>
+                    <a:bodyPr/>
+                    <a:lstStyle/>
+                    <a:p>
+                      <a:pPr algn="ctr"/>
+                      <a:r>
+                        <a:rPr lang="pt-PT" dirty="0">
+                          <a:latin typeface="Affogato" panose="00000500000000000000" pitchFamily="50" charset="0"/>
+                        </a:rPr>
+                        <a:t>0 H 35-</a:t>
+                      </a:r>
+                    </a:p>
+                  </a:txBody>
+                  <a:tcPr anchor="ctr"/>
+                </a:tc>
+                <a:extLst>
+                  <a:ext uri="{0D108BD9-81ED-4DB2-BD59-A6C34878D82A}">
+                    <a16:rowId xmlns:a16="http://schemas.microsoft.com/office/drawing/2014/main" val="3403234533"/>
+                  </a:ext>
+                </a:extLst>
+              </a:tr>
+              <a:tr h="811518">
+                <a:tc>
+                  <a:txBody>
+                    <a:bodyPr/>
+                    <a:lstStyle/>
+                    <a:p>
+                      <a:pPr marL="0" marR="0" indent="0" algn="ctr" defTabSz="914400" rtl="0" eaLnBrk="1" fontAlgn="auto" latinLnBrk="0" hangingPunct="1">
+                        <a:lnSpc>
+                          <a:spcPct val="100000"/>
+                        </a:lnSpc>
+                        <a:spcBef>
+                          <a:spcPts val="0"/>
+                        </a:spcBef>
+                        <a:spcAft>
+                          <a:spcPts val="0"/>
+                        </a:spcAft>
+                        <a:buClrTx/>
+                        <a:buSzTx/>
+                        <a:buFontTx/>
+                        <a:buNone/>
+                        <a:tabLst/>
+                        <a:defRPr/>
+                      </a:pPr>
+                      <a:r>
+                        <a:rPr lang="pt-PT" sz="1800" spc="300" dirty="0">
+                          <a:latin typeface="Affogato Light" panose="00000400000000000000" pitchFamily="50" charset="0"/>
+                        </a:rPr>
+                        <a:t>STATUS</a:t>
+                      </a:r>
+                    </a:p>
+                  </a:txBody>
+                  <a:tcPr anchor="ctr"/>
+                </a:tc>
+                <a:tc>
+                  <a:txBody>
+                    <a:bodyPr/>
+                    <a:lstStyle/>
+                    <a:p>
+                      <a:pPr algn="ctr"/>
+                      <a:r>
+                        <a:rPr lang="pt-PT" dirty="0">
+                          <a:latin typeface="Affogato" panose="00000500000000000000" pitchFamily="50" charset="0"/>
+                        </a:rPr>
+                        <a:t>COMPLETED</a:t>
+                      </a:r>
+                    </a:p>
+                  </a:txBody>
+                  <a:tcPr anchor="ctr"/>
+                </a:tc>
+                <a:tc>
+                  <a:txBody>
+                    <a:bodyPr/>
+                    <a:lstStyle/>
+                    <a:p>
+                      <a:pPr algn="ctr"/>
+                      <a:r>
+                        <a:rPr lang="pt-PT" dirty="0">
+                          <a:latin typeface="Affogato" panose="00000500000000000000" pitchFamily="50" charset="0"/>
+                        </a:rPr>
+                        <a:t>COMPLETED</a:t>
+                      </a:r>
+                    </a:p>
+                  </a:txBody>
+                  <a:tcPr anchor="ctr"/>
+                </a:tc>
+                <a:tc>
+                  <a:txBody>
+                    <a:bodyPr/>
+                    <a:lstStyle/>
+                    <a:p>
+                      <a:pPr algn="ctr"/>
+                      <a:r>
+                        <a:rPr lang="pt-PT" dirty="0">
+                          <a:latin typeface="Affogato" panose="00000500000000000000" pitchFamily="50" charset="0"/>
+                        </a:rPr>
+                        <a:t>COMPLETED</a:t>
+                      </a:r>
+                    </a:p>
+                  </a:txBody>
+                  <a:tcPr anchor="ctr"/>
+                </a:tc>
+                <a:tc>
+                  <a:txBody>
+                    <a:bodyPr/>
+                    <a:lstStyle/>
+                    <a:p>
+                      <a:pPr algn="ctr"/>
+                      <a:r>
+                        <a:rPr lang="pt-PT" dirty="0">
+                          <a:latin typeface="Affogato" panose="00000500000000000000" pitchFamily="50" charset="0"/>
+                        </a:rPr>
+                        <a:t>COMPLETED</a:t>
+                      </a:r>
+                    </a:p>
+                  </a:txBody>
+                  <a:tcPr anchor="ctr"/>
+                </a:tc>
+                <a:extLst>
+                  <a:ext uri="{0D108BD9-81ED-4DB2-BD59-A6C34878D82A}">
+                    <a16:rowId xmlns:a16="http://schemas.microsoft.com/office/drawing/2014/main" val="2527419296"/>
+                  </a:ext>
+                </a:extLst>
+              </a:tr>
+            </a:tbl>
+          </a:graphicData>
+        </a:graphic>
+      </p:graphicFrame>
+      <p:cxnSp>
+        <p:nvCxnSpPr>
+          <p:cNvPr id="4" name="Straight Connector 3"/>
+          <p:cNvCxnSpPr/>
+          <p:nvPr/>
+        </p:nvCxnSpPr>
+        <p:spPr>
+          <a:xfrm>
+            <a:off x="0" y="1055943"/>
+            <a:ext cx="8367623" cy="0"/>
+          </a:xfrm>
+          <a:prstGeom prst="line">
+            <a:avLst/>
+          </a:prstGeom>
+          <a:ln w="28575"/>
+        </p:spPr>
+        <p:style>
+          <a:lnRef idx="1">
+            <a:schemeClr val="dk1"/>
+          </a:lnRef>
+          <a:fillRef idx="0">
+            <a:schemeClr val="dk1"/>
+          </a:fillRef>
+          <a:effectRef idx="0">
+            <a:schemeClr val="dk1"/>
+          </a:effectRef>
+          <a:fontRef idx="minor">
+            <a:schemeClr val="tx1"/>
+          </a:fontRef>
+        </p:style>
+      </p:cxnSp>
+      <p:sp>
+        <p:nvSpPr>
+          <p:cNvPr id="6" name="Title 1"/>
+          <p:cNvSpPr>
+            <a:spLocks noGrp="1"/>
+          </p:cNvSpPr>
+          <p:nvPr>
+            <p:ph type="title"/>
+          </p:nvPr>
+        </p:nvSpPr>
+        <p:spPr>
+          <a:xfrm>
+            <a:off x="8617788" y="365125"/>
+            <a:ext cx="2736011" cy="1325563"/>
+          </a:xfrm>
+        </p:spPr>
+        <p:txBody>
+          <a:bodyPr>
+            <a:normAutofit/>
+          </a:bodyPr>
+          <a:lstStyle/>
+          <a:p>
+            <a:r>
+              <a:rPr lang="pt-PT" sz="5400" dirty="0">
+                <a:latin typeface="Affogato Medium" panose="00000600000000000000" pitchFamily="50" charset="0"/>
+              </a:rPr>
+              <a:t>tasks.</a:t>
+            </a:r>
+          </a:p>
+        </p:txBody>
+      </p:sp>
+    </p:spTree>
+    <p:extLst>
+      <p:ext uri="{BB962C8B-B14F-4D97-AF65-F5344CB8AC3E}">
+        <p14:creationId xmlns:p14="http://schemas.microsoft.com/office/powerpoint/2010/main" val="1299759891"/>
+      </p:ext>
+    </p:extLst>
+  </p:cSld>
+  <p:clrMapOvr>
+    <a:masterClrMapping/>
+  </p:clrMapOvr>
+</p:sld>
+</file>
+
+<file path=ppt/slides/slide6.xml><?xml version="1.0" encoding="utf-8"?>
+<p:sld xmlns:a="http://schemas.openxmlformats.org/drawingml/2006/main" xmlns:r="http://schemas.openxmlformats.org/officeDocument/2006/relationships" xmlns:p="http://schemas.openxmlformats.org/presentationml/2006/main">
+  <p:cSld>
+    <p:spTree>
+      <p:nvGrpSpPr>
+        <p:cNvPr id="1" name=""/>
+        <p:cNvGrpSpPr/>
+        <p:nvPr/>
+      </p:nvGrpSpPr>
+      <p:grpSpPr>
+        <a:xfrm>
+          <a:off x="0" y="0"/>
+          <a:ext cx="0" cy="0"/>
+          <a:chOff x="0" y="0"/>
+          <a:chExt cx="0" cy="0"/>
+        </a:xfrm>
+      </p:grpSpPr>
+      <p:sp>
+        <p:nvSpPr>
+          <p:cNvPr id="8" name="Rectangle 7"/>
+          <p:cNvSpPr/>
+          <p:nvPr/>
+        </p:nvSpPr>
+        <p:spPr>
+          <a:xfrm>
+            <a:off x="6435306" y="1043795"/>
+            <a:ext cx="4605945" cy="431321"/>
+          </a:xfrm>
+          <a:prstGeom prst="rect">
+            <a:avLst/>
+          </a:prstGeom>
+          <a:solidFill>
+            <a:srgbClr val="4DCE59"/>
+          </a:solidFill>
+          <a:ln>
+            <a:noFill/>
+          </a:ln>
+        </p:spPr>
+        <p:style>
+          <a:lnRef idx="2">
+            <a:schemeClr val="accent1">
+              <a:shade val="50000"/>
+            </a:schemeClr>
+          </a:lnRef>
+          <a:fillRef idx="1">
+            <a:schemeClr val="accent1"/>
+          </a:fillRef>
+          <a:effectRef idx="0">
+            <a:schemeClr val="accent1"/>
+          </a:effectRef>
+          <a:fontRef idx="minor">
+            <a:schemeClr val="lt1"/>
+          </a:fontRef>
+        </p:style>
+        <p:txBody>
+          <a:bodyPr rtlCol="0" anchor="ctr"/>
+          <a:lstStyle/>
+          <a:p>
+            <a:pPr algn="ctr"/>
+            <a:endParaRPr lang="pt-PT"/>
+          </a:p>
+        </p:txBody>
+      </p:sp>
+      <p:graphicFrame>
+        <p:nvGraphicFramePr>
+          <p:cNvPr id="7" name="Content Placeholder 6"/>
+          <p:cNvGraphicFramePr>
+            <a:graphicFrameLocks noGrp="1"/>
+          </p:cNvGraphicFramePr>
+          <p:nvPr>
+            <p:ph idx="1"/>
+            <p:extLst>
+              <p:ext uri="{D42A27DB-BD31-4B8C-83A1-F6EECF244321}">
+                <p14:modId xmlns:p14="http://schemas.microsoft.com/office/powerpoint/2010/main" val="2352219137"/>
+              </p:ext>
+            </p:extLst>
+          </p:nvPr>
+        </p:nvGraphicFramePr>
+        <p:xfrm>
+          <a:off x="2669965" y="1889235"/>
+          <a:ext cx="6852069" cy="3715073"/>
+        </p:xfrm>
+        <a:graphic>
+          <a:graphicData uri="http://schemas.openxmlformats.org/drawingml/2006/table">
+            <a:tbl>
+              <a:tblPr firstRow="1" bandRow="1">
+                <a:tableStyleId>{93296810-A885-4BE3-A3E7-6D5BEEA58F35}</a:tableStyleId>
+              </a:tblPr>
+              <a:tblGrid>
+                <a:gridCol w="1145875">
+                  <a:extLst>
+                    <a:ext uri="{9D8B030D-6E8A-4147-A177-3AD203B41FA5}">
+                      <a16:colId xmlns:a16="http://schemas.microsoft.com/office/drawing/2014/main" val="3839103568"/>
+                    </a:ext>
+                  </a:extLst>
+                </a:gridCol>
+                <a:gridCol w="2594694">
+                  <a:extLst>
+                    <a:ext uri="{9D8B030D-6E8A-4147-A177-3AD203B41FA5}">
+                      <a16:colId xmlns:a16="http://schemas.microsoft.com/office/drawing/2014/main" val="187051537"/>
+                    </a:ext>
+                  </a:extLst>
+                </a:gridCol>
+                <a:gridCol w="3111500">
+                  <a:extLst>
+                    <a:ext uri="{9D8B030D-6E8A-4147-A177-3AD203B41FA5}">
+                      <a16:colId xmlns:a16="http://schemas.microsoft.com/office/drawing/2014/main" val="2025017854"/>
+                    </a:ext>
+                  </a:extLst>
+                </a:gridCol>
+              </a:tblGrid>
+              <a:tr h="469001">
+                <a:tc>
+                  <a:txBody>
+                    <a:bodyPr/>
+                    <a:lstStyle/>
+                    <a:p>
+                      <a:endParaRPr lang="pt-PT" dirty="0"/>
+                    </a:p>
+                  </a:txBody>
+                  <a:tcPr>
+                    <a:lnL w="12700" cmpd="sng">
+                      <a:noFill/>
+                    </a:lnL>
+                    <a:lnR w="12700" cmpd="sng">
+                      <a:noFill/>
+                    </a:lnR>
+                    <a:lnT w="12700" cmpd="sng">
+                      <a:noFill/>
+                    </a:lnT>
+                    <a:lnB w="38100" cmpd="sng">
+                      <a:noFill/>
+                    </a:lnB>
+                    <a:lnTlToBr w="12700" cmpd="sng">
+                      <a:noFill/>
+                      <a:prstDash val="solid"/>
+                    </a:lnTlToBr>
+                    <a:lnBlToTr w="12700" cmpd="sng">
+                      <a:noFill/>
+                      <a:prstDash val="solid"/>
+                    </a:lnBlToTr>
+                    <a:solidFill>
+                      <a:srgbClr val="009245"/>
+                    </a:solidFill>
+                  </a:tcPr>
+                </a:tc>
+                <a:tc>
+                  <a:txBody>
+                    <a:bodyPr/>
+                    <a:lstStyle/>
+                    <a:p>
+                      <a:pPr algn="ctr"/>
+                      <a:r>
+                        <a:rPr lang="pt-PT" spc="300" dirty="0">
+                          <a:solidFill>
+                            <a:schemeClr val="bg1"/>
+                          </a:solidFill>
+                          <a:latin typeface="Affogato Light" panose="00000400000000000000" pitchFamily="50" charset="0"/>
+                        </a:rPr>
+                        <a:t>TASK</a:t>
+                      </a:r>
+                      <a:r>
+                        <a:rPr lang="pt-PT" spc="300" baseline="0" dirty="0">
+                          <a:solidFill>
+                            <a:schemeClr val="bg1"/>
+                          </a:solidFill>
+                          <a:latin typeface="Affogato Light" panose="00000400000000000000" pitchFamily="50" charset="0"/>
+                        </a:rPr>
+                        <a:t> #1</a:t>
+                      </a:r>
+                      <a:endParaRPr lang="pt-PT" spc="300" dirty="0">
+                        <a:solidFill>
+                          <a:schemeClr val="bg1"/>
+                        </a:solidFill>
+                        <a:latin typeface="Affogato Light" panose="00000400000000000000" pitchFamily="50" charset="0"/>
+                      </a:endParaRPr>
+                    </a:p>
+                  </a:txBody>
+                  <a:tcPr anchor="ctr">
+                    <a:lnL w="12700" cmpd="sng">
+                      <a:noFill/>
+                    </a:lnL>
+                    <a:lnR w="12700" cmpd="sng">
+                      <a:noFill/>
+                    </a:lnR>
+                    <a:lnT w="12700" cmpd="sng">
+                      <a:noFill/>
+                    </a:lnT>
+                    <a:lnB w="38100" cmpd="sng">
+                      <a:noFill/>
+                    </a:lnB>
+                    <a:lnTlToBr w="12700" cmpd="sng">
+                      <a:noFill/>
+                      <a:prstDash val="solid"/>
+                    </a:lnTlToBr>
+                    <a:lnBlToTr w="12700" cmpd="sng">
+                      <a:noFill/>
+                      <a:prstDash val="solid"/>
+                    </a:lnBlToTr>
+                    <a:solidFill>
+                      <a:srgbClr val="009245"/>
+                    </a:solidFill>
+                  </a:tcPr>
+                </a:tc>
+                <a:tc>
+                  <a:txBody>
+                    <a:bodyPr/>
+                    <a:lstStyle/>
+                    <a:p>
+                      <a:pPr marL="0" marR="0" indent="0" algn="ctr" defTabSz="914400" rtl="0" eaLnBrk="1" fontAlgn="auto" latinLnBrk="0" hangingPunct="1">
+                        <a:lnSpc>
+                          <a:spcPct val="100000"/>
+                        </a:lnSpc>
+                        <a:spcBef>
+                          <a:spcPts val="0"/>
+                        </a:spcBef>
+                        <a:spcAft>
+                          <a:spcPts val="0"/>
+                        </a:spcAft>
+                        <a:buClrTx/>
+                        <a:buSzTx/>
+                        <a:buFontTx/>
+                        <a:buNone/>
+                        <a:tabLst/>
+                        <a:defRPr/>
+                      </a:pPr>
+                      <a:r>
+                        <a:rPr lang="pt-PT" spc="300" dirty="0">
+                          <a:solidFill>
+                            <a:schemeClr val="bg1"/>
+                          </a:solidFill>
+                          <a:latin typeface="Affogato Light" panose="00000400000000000000" pitchFamily="50" charset="0"/>
+                        </a:rPr>
+                        <a:t>TASK</a:t>
+                      </a:r>
+                      <a:r>
+                        <a:rPr lang="pt-PT" spc="300" baseline="0" dirty="0">
+                          <a:solidFill>
+                            <a:schemeClr val="bg1"/>
+                          </a:solidFill>
+                          <a:latin typeface="Affogato Light" panose="00000400000000000000" pitchFamily="50" charset="0"/>
+                        </a:rPr>
+                        <a:t> #2</a:t>
+                      </a:r>
+                      <a:endParaRPr lang="pt-PT" spc="300" dirty="0">
+                        <a:solidFill>
+                          <a:schemeClr val="bg1"/>
+                        </a:solidFill>
+                        <a:latin typeface="Affogato Light" panose="00000400000000000000" pitchFamily="50" charset="0"/>
+                      </a:endParaRPr>
+                    </a:p>
+                  </a:txBody>
+                  <a:tcPr anchor="ctr">
+                    <a:lnL w="12700" cmpd="sng">
+                      <a:noFill/>
+                    </a:lnL>
+                    <a:lnR w="12700" cmpd="sng">
+                      <a:noFill/>
+                    </a:lnR>
+                    <a:lnT w="12700" cmpd="sng">
+                      <a:noFill/>
+                    </a:lnT>
+                    <a:lnB w="38100" cmpd="sng">
+                      <a:noFill/>
+                    </a:lnB>
+                    <a:lnTlToBr w="12700" cmpd="sng">
+                      <a:noFill/>
+                      <a:prstDash val="solid"/>
+                    </a:lnTlToBr>
+                    <a:lnBlToTr w="12700" cmpd="sng">
+                      <a:noFill/>
+                      <a:prstDash val="solid"/>
+                    </a:lnBlToTr>
+                    <a:solidFill>
+                      <a:srgbClr val="009245"/>
+                    </a:solidFill>
+                  </a:tcPr>
+                </a:tc>
+                <a:extLst>
+                  <a:ext uri="{0D108BD9-81ED-4DB2-BD59-A6C34878D82A}">
+                    <a16:rowId xmlns:a16="http://schemas.microsoft.com/office/drawing/2014/main" val="3610859294"/>
+                  </a:ext>
+                </a:extLst>
+              </a:tr>
+              <a:tr h="811518">
+                <a:tc>
+                  <a:txBody>
+                    <a:bodyPr/>
+                    <a:lstStyle/>
+                    <a:p>
+                      <a:pPr algn="ctr"/>
+                      <a:r>
+                        <a:rPr lang="pt-PT" spc="300" dirty="0">
+                          <a:latin typeface="Affogato Light" panose="00000400000000000000" pitchFamily="50" charset="0"/>
+                        </a:rPr>
+                        <a:t>TASK</a:t>
+                      </a:r>
+                    </a:p>
+                  </a:txBody>
+                  <a:tcPr anchor="ctr">
+                    <a:lnT w="38100" cmpd="sng">
+                      <a:noFill/>
+                    </a:lnT>
+                  </a:tcPr>
+                </a:tc>
+                <a:tc>
+                  <a:txBody>
+                    <a:bodyPr/>
+                    <a:lstStyle/>
+                    <a:p>
+                      <a:pPr algn="ctr"/>
+                      <a:r>
+                        <a:rPr lang="pt-PT" dirty="0" err="1">
+                          <a:latin typeface="Affogato" panose="00000500000000000000" pitchFamily="50" charset="0"/>
+                        </a:rPr>
+                        <a:t>Finish</a:t>
+                      </a:r>
+                      <a:r>
+                        <a:rPr lang="pt-PT" dirty="0">
+                          <a:latin typeface="Affogato" panose="00000500000000000000" pitchFamily="50" charset="0"/>
+                        </a:rPr>
+                        <a:t> </a:t>
+                      </a:r>
+                    </a:p>
+                    <a:p>
+                      <a:pPr algn="ctr"/>
+                      <a:r>
+                        <a:rPr lang="pt-PT" dirty="0" err="1">
+                          <a:latin typeface="Affogato" panose="00000500000000000000" pitchFamily="50" charset="0"/>
+                        </a:rPr>
+                        <a:t>Mockups</a:t>
+                      </a:r>
+                      <a:endParaRPr lang="pt-PT" dirty="0">
+                        <a:latin typeface="Affogato" panose="00000500000000000000" pitchFamily="50" charset="0"/>
+                      </a:endParaRPr>
+                    </a:p>
+                  </a:txBody>
+                  <a:tcPr anchor="ctr">
+                    <a:lnT w="38100" cmpd="sng">
+                      <a:noFill/>
+                    </a:lnT>
+                  </a:tcPr>
+                </a:tc>
+                <a:tc>
+                  <a:txBody>
+                    <a:bodyPr/>
+                    <a:lstStyle/>
+                    <a:p>
+                      <a:pPr marL="0" marR="0" lvl="0" indent="0" algn="ctr" defTabSz="914400" rtl="0" eaLnBrk="1" fontAlgn="auto" latinLnBrk="0" hangingPunct="1">
+                        <a:lnSpc>
+                          <a:spcPct val="100000"/>
+                        </a:lnSpc>
+                        <a:spcBef>
+                          <a:spcPts val="0"/>
+                        </a:spcBef>
+                        <a:spcAft>
+                          <a:spcPts val="0"/>
+                        </a:spcAft>
+                        <a:buClrTx/>
+                        <a:buSzTx/>
+                        <a:buFontTx/>
+                        <a:buNone/>
+                        <a:tabLst/>
+                        <a:defRPr/>
+                      </a:pPr>
+                      <a:r>
+                        <a:rPr lang="en-US" dirty="0">
+                          <a:latin typeface="Affogato" panose="00000500000000000000" pitchFamily="50" charset="0"/>
+                        </a:rPr>
+                        <a:t>Finish requirements document</a:t>
+                      </a:r>
+                      <a:endParaRPr lang="pt-PT" dirty="0">
+                        <a:latin typeface="Affogato" panose="00000500000000000000" pitchFamily="50" charset="0"/>
+                      </a:endParaRPr>
+                    </a:p>
+                  </a:txBody>
+                  <a:tcPr anchor="ctr">
+                    <a:lnT w="38100" cmpd="sng">
+                      <a:noFill/>
+                    </a:lnT>
+                  </a:tcPr>
+                </a:tc>
+                <a:extLst>
+                  <a:ext uri="{0D108BD9-81ED-4DB2-BD59-A6C34878D82A}">
+                    <a16:rowId xmlns:a16="http://schemas.microsoft.com/office/drawing/2014/main" val="641888722"/>
+                  </a:ext>
+                </a:extLst>
+              </a:tr>
+              <a:tr h="811518">
+                <a:tc>
+                  <a:txBody>
+                    <a:bodyPr/>
+                    <a:lstStyle/>
+                    <a:p>
+                      <a:pPr marL="0" marR="0" indent="0" algn="ctr" defTabSz="914400" rtl="0" eaLnBrk="1" fontAlgn="auto" latinLnBrk="0" hangingPunct="1">
+                        <a:lnSpc>
+                          <a:spcPct val="100000"/>
+                        </a:lnSpc>
+                        <a:spcBef>
+                          <a:spcPts val="0"/>
+                        </a:spcBef>
+                        <a:spcAft>
+                          <a:spcPts val="0"/>
+                        </a:spcAft>
+                        <a:buClrTx/>
+                        <a:buSzTx/>
+                        <a:buFontTx/>
+                        <a:buNone/>
+                        <a:tabLst/>
+                        <a:defRPr/>
+                      </a:pPr>
+                      <a:r>
+                        <a:rPr lang="pt-PT" sz="1800" spc="300" dirty="0">
+                          <a:latin typeface="Affogato Light" panose="00000400000000000000" pitchFamily="50" charset="0"/>
+                        </a:rPr>
+                        <a:t>OWNER</a:t>
+                      </a:r>
+                    </a:p>
+                  </a:txBody>
+                  <a:tcPr anchor="ctr"/>
+                </a:tc>
+                <a:tc>
+                  <a:txBody>
+                    <a:bodyPr/>
+                    <a:lstStyle/>
+                    <a:p>
+                      <a:pPr algn="ctr"/>
+                      <a:r>
+                        <a:rPr lang="pt-PT" dirty="0">
+                          <a:latin typeface="Affogato" panose="00000500000000000000" pitchFamily="50" charset="0"/>
+                        </a:rPr>
+                        <a:t>Nuno</a:t>
+                      </a:r>
+                    </a:p>
+                  </a:txBody>
+                  <a:tcPr anchor="ctr"/>
+                </a:tc>
+                <a:tc>
+                  <a:txBody>
+                    <a:bodyPr/>
+                    <a:lstStyle/>
+                    <a:p>
+                      <a:pPr algn="ctr"/>
+                      <a:r>
+                        <a:rPr lang="pt-PT" dirty="0" err="1">
+                          <a:latin typeface="Affogato" panose="00000500000000000000" pitchFamily="50" charset="0"/>
+                        </a:rPr>
+                        <a:t>Emanuiel</a:t>
+                      </a:r>
+                      <a:r>
+                        <a:rPr lang="pt-PT" dirty="0">
+                          <a:latin typeface="Affogato" panose="00000500000000000000" pitchFamily="50" charset="0"/>
+                        </a:rPr>
+                        <a:t>, Marco , Paulo</a:t>
+                      </a:r>
+                    </a:p>
+                  </a:txBody>
+                  <a:tcPr anchor="ctr"/>
+                </a:tc>
+                <a:extLst>
+                  <a:ext uri="{0D108BD9-81ED-4DB2-BD59-A6C34878D82A}">
+                    <a16:rowId xmlns:a16="http://schemas.microsoft.com/office/drawing/2014/main" val="109270533"/>
+                  </a:ext>
+                </a:extLst>
+              </a:tr>
+              <a:tr h="811518">
+                <a:tc>
+                  <a:txBody>
+                    <a:bodyPr/>
+                    <a:lstStyle/>
+                    <a:p>
+                      <a:pPr marL="0" marR="0" indent="0" algn="ctr" defTabSz="914400" rtl="0" eaLnBrk="1" fontAlgn="auto" latinLnBrk="0" hangingPunct="1">
+                        <a:lnSpc>
+                          <a:spcPct val="100000"/>
+                        </a:lnSpc>
+                        <a:spcBef>
+                          <a:spcPts val="0"/>
+                        </a:spcBef>
+                        <a:spcAft>
+                          <a:spcPts val="0"/>
+                        </a:spcAft>
+                        <a:buClrTx/>
+                        <a:buSzTx/>
+                        <a:buFontTx/>
+                        <a:buNone/>
+                        <a:tabLst/>
+                        <a:defRPr/>
+                      </a:pPr>
+                      <a:r>
+                        <a:rPr lang="pt-PT" sz="1800" spc="300" dirty="0">
+                          <a:latin typeface="Affogato Light" panose="00000400000000000000" pitchFamily="50" charset="0"/>
+                        </a:rPr>
+                        <a:t>GOAL</a:t>
+                      </a:r>
+                    </a:p>
+                    <a:p>
+                      <a:pPr marL="0" marR="0" indent="0" algn="ctr" defTabSz="914400" rtl="0" eaLnBrk="1" fontAlgn="auto" latinLnBrk="0" hangingPunct="1">
+                        <a:lnSpc>
+                          <a:spcPct val="100000"/>
+                        </a:lnSpc>
+                        <a:spcBef>
+                          <a:spcPts val="0"/>
+                        </a:spcBef>
+                        <a:spcAft>
+                          <a:spcPts val="0"/>
+                        </a:spcAft>
+                        <a:buClrTx/>
+                        <a:buSzTx/>
+                        <a:buFontTx/>
+                        <a:buNone/>
+                        <a:tabLst/>
+                        <a:defRPr/>
+                      </a:pPr>
+                      <a:r>
+                        <a:rPr lang="pt-PT" sz="1800" spc="300" dirty="0">
+                          <a:latin typeface="Affogato Light" panose="00000400000000000000" pitchFamily="50" charset="0"/>
+                        </a:rPr>
+                        <a:t>EFFORT</a:t>
+                      </a:r>
+                    </a:p>
+                  </a:txBody>
+                  <a:tcPr anchor="ctr"/>
+                </a:tc>
+                <a:tc>
+                  <a:txBody>
+                    <a:bodyPr/>
+                    <a:lstStyle/>
+                    <a:p>
+                      <a:pPr algn="ctr"/>
+                      <a:r>
+                        <a:rPr lang="pt-PT" dirty="0">
+                          <a:latin typeface="Affogato" panose="00000500000000000000" pitchFamily="50" charset="0"/>
+                        </a:rPr>
+                        <a:t>2 H</a:t>
+                      </a:r>
+                    </a:p>
+                  </a:txBody>
+                  <a:tcPr anchor="ctr"/>
+                </a:tc>
+                <a:tc>
+                  <a:txBody>
+                    <a:bodyPr/>
+                    <a:lstStyle/>
+                    <a:p>
+                      <a:pPr algn="ctr"/>
+                      <a:r>
+                        <a:rPr lang="pt-PT" dirty="0">
+                          <a:latin typeface="Affogato" panose="00000500000000000000" pitchFamily="50" charset="0"/>
+                        </a:rPr>
+                        <a:t>4 H</a:t>
+                      </a:r>
+                    </a:p>
+                  </a:txBody>
+                  <a:tcPr anchor="ctr"/>
+                </a:tc>
+                <a:extLst>
+                  <a:ext uri="{0D108BD9-81ED-4DB2-BD59-A6C34878D82A}">
+                    <a16:rowId xmlns:a16="http://schemas.microsoft.com/office/drawing/2014/main" val="3364657508"/>
+                  </a:ext>
+                </a:extLst>
+              </a:tr>
+              <a:tr h="811518">
+                <a:tc>
+                  <a:txBody>
+                    <a:bodyPr/>
+                    <a:lstStyle/>
+                    <a:p>
+                      <a:pPr marL="0" marR="0" indent="0" algn="ctr" defTabSz="914400" rtl="0" eaLnBrk="1" fontAlgn="auto" latinLnBrk="0" hangingPunct="1">
+                        <a:lnSpc>
+                          <a:spcPct val="100000"/>
+                        </a:lnSpc>
+                        <a:spcBef>
+                          <a:spcPts val="0"/>
+                        </a:spcBef>
+                        <a:spcAft>
+                          <a:spcPts val="0"/>
+                        </a:spcAft>
+                        <a:buClrTx/>
+                        <a:buSzTx/>
+                        <a:buFontTx/>
+                        <a:buNone/>
+                        <a:tabLst/>
+                        <a:defRPr/>
+                      </a:pPr>
+                      <a:r>
+                        <a:rPr lang="pt-PT" sz="1800" spc="300" dirty="0">
+                          <a:latin typeface="Affogato Light" panose="00000400000000000000" pitchFamily="50" charset="0"/>
+                        </a:rPr>
+                        <a:t>STATUS</a:t>
+                      </a:r>
+                    </a:p>
+                  </a:txBody>
+                  <a:tcPr anchor="ctr"/>
+                </a:tc>
+                <a:tc>
+                  <a:txBody>
+                    <a:bodyPr/>
+                    <a:lstStyle/>
+                    <a:p>
+                      <a:pPr algn="ctr"/>
+                      <a:r>
+                        <a:rPr lang="pt-PT" dirty="0">
+                          <a:latin typeface="Affogato" panose="00000500000000000000" pitchFamily="50" charset="0"/>
+                        </a:rPr>
+                        <a:t>NEW</a:t>
+                      </a:r>
+                    </a:p>
+                  </a:txBody>
+                  <a:tcPr anchor="ctr"/>
+                </a:tc>
+                <a:tc>
+                  <a:txBody>
+                    <a:bodyPr/>
+                    <a:lstStyle/>
+                    <a:p>
+                      <a:pPr algn="ctr"/>
+                      <a:r>
+                        <a:rPr lang="pt-PT" dirty="0">
+                          <a:latin typeface="Affogato" panose="00000500000000000000" pitchFamily="50" charset="0"/>
+                        </a:rPr>
+                        <a:t>NEW</a:t>
                       </a:r>
                     </a:p>
                   </a:txBody>
@@ -7662,168 +7629,6 @@
     <p:extLst>
       <p:ext uri="{BB962C8B-B14F-4D97-AF65-F5344CB8AC3E}">
         <p14:creationId xmlns:p14="http://schemas.microsoft.com/office/powerpoint/2010/main" val="547309296"/>
-      </p:ext>
-    </p:extLst>
-  </p:cSld>
-  <p:clrMapOvr>
-    <a:masterClrMapping/>
-  </p:clrMapOvr>
-</p:sld>
-</file>
-
-<file path=ppt/slides/slide7.xml><?xml version="1.0" encoding="utf-8"?>
-<p:sld xmlns:a="http://schemas.openxmlformats.org/drawingml/2006/main" xmlns:r="http://schemas.openxmlformats.org/officeDocument/2006/relationships" xmlns:p="http://schemas.openxmlformats.org/presentationml/2006/main">
-  <p:cSld>
-    <p:spTree>
-      <p:nvGrpSpPr>
-        <p:cNvPr id="1" name=""/>
-        <p:cNvGrpSpPr/>
-        <p:nvPr/>
-      </p:nvGrpSpPr>
-      <p:grpSpPr>
-        <a:xfrm>
-          <a:off x="0" y="0"/>
-          <a:ext cx="0" cy="0"/>
-          <a:chOff x="0" y="0"/>
-          <a:chExt cx="0" cy="0"/>
-        </a:xfrm>
-      </p:grpSpPr>
-      <p:sp>
-        <p:nvSpPr>
-          <p:cNvPr id="8" name="Rectangle 7"/>
-          <p:cNvSpPr/>
-          <p:nvPr/>
-        </p:nvSpPr>
-        <p:spPr>
-          <a:xfrm>
-            <a:off x="838200" y="1027906"/>
-            <a:ext cx="4492925" cy="343693"/>
-          </a:xfrm>
-          <a:prstGeom prst="rect">
-            <a:avLst/>
-          </a:prstGeom>
-          <a:solidFill>
-            <a:srgbClr val="4DCE59"/>
-          </a:solidFill>
-          <a:ln>
-            <a:noFill/>
-          </a:ln>
-        </p:spPr>
-        <p:style>
-          <a:lnRef idx="2">
-            <a:schemeClr val="accent1">
-              <a:shade val="50000"/>
-            </a:schemeClr>
-          </a:lnRef>
-          <a:fillRef idx="1">
-            <a:schemeClr val="accent1"/>
-          </a:fillRef>
-          <a:effectRef idx="0">
-            <a:schemeClr val="accent1"/>
-          </a:effectRef>
-          <a:fontRef idx="minor">
-            <a:schemeClr val="lt1"/>
-          </a:fontRef>
-        </p:style>
-        <p:txBody>
-          <a:bodyPr rtlCol="0" anchor="ctr"/>
-          <a:lstStyle/>
-          <a:p>
-            <a:pPr algn="ctr"/>
-            <a:endParaRPr lang="pt-PT"/>
-          </a:p>
-        </p:txBody>
-      </p:sp>
-      <p:sp>
-        <p:nvSpPr>
-          <p:cNvPr id="2" name="Title 1"/>
-          <p:cNvSpPr>
-            <a:spLocks noGrp="1"/>
-          </p:cNvSpPr>
-          <p:nvPr>
-            <p:ph type="title"/>
-          </p:nvPr>
-        </p:nvSpPr>
-        <p:spPr/>
-        <p:txBody>
-          <a:bodyPr/>
-          <a:lstStyle/>
-          <a:p>
-            <a:r>
-              <a:rPr lang="pt-PT" dirty="0">
-                <a:latin typeface="Affogato Medium" panose="00000600000000000000" pitchFamily="50" charset="0"/>
-              </a:rPr>
-              <a:t>additional notes.</a:t>
-            </a:r>
-          </a:p>
-        </p:txBody>
-      </p:sp>
-      <p:cxnSp>
-        <p:nvCxnSpPr>
-          <p:cNvPr id="4" name="Straight Connector 3"/>
-          <p:cNvCxnSpPr/>
-          <p:nvPr/>
-        </p:nvCxnSpPr>
-        <p:spPr>
-          <a:xfrm>
-            <a:off x="5451894" y="1027906"/>
-            <a:ext cx="6740106" cy="9106"/>
-          </a:xfrm>
-          <a:prstGeom prst="line">
-            <a:avLst/>
-          </a:prstGeom>
-          <a:ln w="28575"/>
-        </p:spPr>
-        <p:style>
-          <a:lnRef idx="1">
-            <a:schemeClr val="dk1"/>
-          </a:lnRef>
-          <a:fillRef idx="0">
-            <a:schemeClr val="dk1"/>
-          </a:fillRef>
-          <a:effectRef idx="0">
-            <a:schemeClr val="dk1"/>
-          </a:effectRef>
-          <a:fontRef idx="minor">
-            <a:schemeClr val="tx1"/>
-          </a:fontRef>
-        </p:style>
-      </p:cxnSp>
-      <p:sp>
-        <p:nvSpPr>
-          <p:cNvPr id="7" name="TextBox 6"/>
-          <p:cNvSpPr txBox="1"/>
-          <p:nvPr/>
-        </p:nvSpPr>
-        <p:spPr>
-          <a:xfrm>
-            <a:off x="838200" y="2018581"/>
-            <a:ext cx="9325155" cy="1200329"/>
-          </a:xfrm>
-          <a:prstGeom prst="rect">
-            <a:avLst/>
-          </a:prstGeom>
-          <a:noFill/>
-        </p:spPr>
-        <p:txBody>
-          <a:bodyPr wrap="square" rtlCol="0">
-            <a:spAutoFit/>
-          </a:bodyPr>
-          <a:lstStyle/>
-          <a:p>
-            <a:r>
-              <a:rPr lang="pt-PT" dirty="0">
-                <a:latin typeface="Affogato" panose="00000500000000000000" pitchFamily="50" charset="0"/>
-              </a:rPr>
-              <a:t>Lorem ipsum dolor sit amet, consectetur adipiscing elit. Nulla rutrum ligula elit, a convallis ipsum placerat quis. Donec imperdiet ipsum ut odio aliquet scelerisque. Vivamus facilisis nisl ex, imperdiet sollicitudin elit volutpat at. Aliquam pulvinar leo sed leo mattis placerat. Nam malesuada velit vel felis dapibus dignissim. </a:t>
-            </a:r>
-          </a:p>
-        </p:txBody>
-      </p:sp>
-    </p:spTree>
-    <p:extLst>
-      <p:ext uri="{BB962C8B-B14F-4D97-AF65-F5344CB8AC3E}">
-        <p14:creationId xmlns:p14="http://schemas.microsoft.com/office/powerpoint/2010/main" val="995825640"/>
       </p:ext>
     </p:extLst>
   </p:cSld>
